--- a/jsp_ppt/9장. JSTL.pptx
+++ b/jsp_ppt/9장. JSTL.pptx
@@ -249,7 +249,7 @@
           <a:p>
             <a:fld id="{7665CDAC-D627-4E87-877A-1B781DD4CADC}" type="datetimeFigureOut">
               <a:rPr lang="ko-KR" altLang="en-US" smtClean="0"/>
-              <a:t>2023-06-05</a:t>
+              <a:t>2023-06-09</a:t>
             </a:fld>
             <a:endParaRPr lang="ko-KR" altLang="en-US"/>
           </a:p>
@@ -787,7 +787,7 @@
           <a:p>
             <a:fld id="{F4AC81B4-D91A-4578-85B3-829E63FCFE17}" type="datetime1">
               <a:rPr lang="ko-KR" altLang="en-US" smtClean="0"/>
-              <a:t>2023-06-05</a:t>
+              <a:t>2023-06-09</a:t>
             </a:fld>
             <a:endParaRPr lang="ko-KR" altLang="en-US"/>
           </a:p>
@@ -1162,7 +1162,7 @@
           <a:p>
             <a:fld id="{F5B77542-37E5-48F2-BAE7-80CC6B0EB6A3}" type="datetime1">
               <a:rPr lang="ko-KR" altLang="en-US" smtClean="0"/>
-              <a:t>2023-06-05</a:t>
+              <a:t>2023-06-09</a:t>
             </a:fld>
             <a:endParaRPr lang="ko-KR" altLang="en-US"/>
           </a:p>
@@ -1342,7 +1342,7 @@
           <a:p>
             <a:fld id="{227CF174-B5AC-4A98-B673-0BE8126D3F27}" type="datetime1">
               <a:rPr lang="ko-KR" altLang="en-US" smtClean="0"/>
-              <a:t>2023-06-05</a:t>
+              <a:t>2023-06-09</a:t>
             </a:fld>
             <a:endParaRPr lang="ko-KR" altLang="en-US"/>
           </a:p>
@@ -1516,7 +1516,7 @@
           <a:p>
             <a:fld id="{E20FDEC8-1339-42E8-9704-2977280C2FD3}" type="datetime1">
               <a:rPr lang="ko-KR" altLang="en-US" smtClean="0"/>
-              <a:t>2023-06-05</a:t>
+              <a:t>2023-06-09</a:t>
             </a:fld>
             <a:endParaRPr lang="ko-KR" altLang="en-US"/>
           </a:p>
@@ -1762,7 +1762,7 @@
           <a:p>
             <a:fld id="{4D18DC76-A282-4817-B790-197F054E1215}" type="datetime1">
               <a:rPr lang="ko-KR" altLang="en-US" smtClean="0"/>
-              <a:t>2023-06-05</a:t>
+              <a:t>2023-06-09</a:t>
             </a:fld>
             <a:endParaRPr lang="ko-KR" altLang="en-US"/>
           </a:p>
@@ -2050,7 +2050,7 @@
           <a:p>
             <a:fld id="{6680AA6C-13D8-43E4-90F0-E6C88A2B9F16}" type="datetime1">
               <a:rPr lang="ko-KR" altLang="en-US" smtClean="0"/>
-              <a:t>2023-06-05</a:t>
+              <a:t>2023-06-09</a:t>
             </a:fld>
             <a:endParaRPr lang="ko-KR" altLang="en-US"/>
           </a:p>
@@ -2472,7 +2472,7 @@
           <a:p>
             <a:fld id="{3EF5B03B-20CC-436E-8601-C933C6C1F4A6}" type="datetime1">
               <a:rPr lang="ko-KR" altLang="en-US" smtClean="0"/>
-              <a:t>2023-06-05</a:t>
+              <a:t>2023-06-09</a:t>
             </a:fld>
             <a:endParaRPr lang="ko-KR" altLang="en-US"/>
           </a:p>
@@ -2590,7 +2590,7 @@
           <a:p>
             <a:fld id="{87B5A15D-8B08-482F-AB47-E416EC355EB6}" type="datetime1">
               <a:rPr lang="ko-KR" altLang="en-US" smtClean="0"/>
-              <a:t>2023-06-05</a:t>
+              <a:t>2023-06-09</a:t>
             </a:fld>
             <a:endParaRPr lang="ko-KR" altLang="en-US"/>
           </a:p>
@@ -2685,7 +2685,7 @@
           <a:p>
             <a:fld id="{A877D7F8-7B64-44F8-A411-CBD22F28CBFF}" type="datetime1">
               <a:rPr lang="ko-KR" altLang="en-US" smtClean="0"/>
-              <a:t>2023-06-05</a:t>
+              <a:t>2023-06-09</a:t>
             </a:fld>
             <a:endParaRPr lang="ko-KR" altLang="en-US"/>
           </a:p>
@@ -2962,7 +2962,7 @@
           <a:p>
             <a:fld id="{E12DBD9B-2BB6-4D1F-BCB4-1E48829C93C3}" type="datetime1">
               <a:rPr lang="ko-KR" altLang="en-US" smtClean="0"/>
-              <a:t>2023-06-05</a:t>
+              <a:t>2023-06-09</a:t>
             </a:fld>
             <a:endParaRPr lang="ko-KR" altLang="en-US"/>
           </a:p>
@@ -3215,7 +3215,7 @@
           <a:p>
             <a:fld id="{17564C48-0CD7-40EB-BE64-BBF4DB8C56AF}" type="datetime1">
               <a:rPr lang="ko-KR" altLang="en-US" smtClean="0"/>
-              <a:t>2023-06-05</a:t>
+              <a:t>2023-06-09</a:t>
             </a:fld>
             <a:endParaRPr lang="ko-KR" altLang="en-US"/>
           </a:p>
@@ -3395,7 +3395,7 @@
           <a:p>
             <a:fld id="{C116BCB4-B68B-4638-8167-F4BDC0A30DA1}" type="datetime1">
               <a:rPr lang="ko-KR" altLang="en-US" smtClean="0"/>
-              <a:t>2023-06-05</a:t>
+              <a:t>2023-06-09</a:t>
             </a:fld>
             <a:endParaRPr lang="ko-KR" altLang="en-US"/>
           </a:p>
@@ -5502,7 +5502,7 @@
         </p:blipFill>
         <p:spPr>
           <a:xfrm>
-            <a:off x="1336993" y="2852936"/>
+            <a:off x="1280592" y="2996952"/>
             <a:ext cx="7232007" cy="2690093"/>
           </a:xfrm>
           <a:prstGeom prst="rect">
@@ -5856,7 +5856,7 @@
       </p:sp>
       <p:pic>
         <p:nvPicPr>
-          <p:cNvPr id="10" name="그림 9"/>
+          <p:cNvPr id="8" name="그림 7"/>
           <p:cNvPicPr>
             <a:picLocks noChangeAspect="1"/>
           </p:cNvPicPr>
@@ -5864,43 +5864,6 @@
         </p:nvPicPr>
         <p:blipFill>
           <a:blip r:embed="rId2">
-            <a:extLst>
-              <a:ext uri="{28A0092B-C50C-407E-A947-70E740481C1C}">
-                <a14:useLocalDpi xmlns:a14="http://schemas.microsoft.com/office/drawing/2010/main" val="0"/>
-              </a:ext>
-            </a:extLst>
-          </a:blip>
-          <a:stretch>
-            <a:fillRect/>
-          </a:stretch>
-        </p:blipFill>
-        <p:spPr>
-          <a:xfrm>
-            <a:off x="1096178" y="3789040"/>
-            <a:ext cx="7216766" cy="2151441"/>
-          </a:xfrm>
-          <a:prstGeom prst="rect">
-            <a:avLst/>
-          </a:prstGeom>
-          <a:ln>
-            <a:solidFill>
-              <a:schemeClr val="bg1">
-                <a:lumMod val="85000"/>
-              </a:schemeClr>
-            </a:solidFill>
-          </a:ln>
-        </p:spPr>
-      </p:pic>
-      <p:pic>
-        <p:nvPicPr>
-          <p:cNvPr id="8" name="그림 7"/>
-          <p:cNvPicPr>
-            <a:picLocks noChangeAspect="1"/>
-          </p:cNvPicPr>
-          <p:nvPr/>
-        </p:nvPicPr>
-        <p:blipFill>
-          <a:blip r:embed="rId3">
             <a:extLst>
               <a:ext uri="{28A0092B-C50C-407E-A947-70E740481C1C}">
                 <a14:useLocalDpi xmlns:a14="http://schemas.microsoft.com/office/drawing/2010/main" val="0"/>
@@ -5980,6 +5943,43 @@
           </a:p>
         </p:txBody>
       </p:sp>
+      <p:pic>
+        <p:nvPicPr>
+          <p:cNvPr id="3" name="그림 2"/>
+          <p:cNvPicPr>
+            <a:picLocks noChangeAspect="1"/>
+          </p:cNvPicPr>
+          <p:nvPr/>
+        </p:nvPicPr>
+        <p:blipFill>
+          <a:blip r:embed="rId3">
+            <a:extLst>
+              <a:ext uri="{28A0092B-C50C-407E-A947-70E740481C1C}">
+                <a14:useLocalDpi xmlns:a14="http://schemas.microsoft.com/office/drawing/2010/main" val="0"/>
+              </a:ext>
+            </a:extLst>
+          </a:blip>
+          <a:stretch>
+            <a:fillRect/>
+          </a:stretch>
+        </p:blipFill>
+        <p:spPr>
+          <a:xfrm>
+            <a:off x="1129715" y="3933057"/>
+            <a:ext cx="7243094" cy="2088231"/>
+          </a:xfrm>
+          <a:prstGeom prst="rect">
+            <a:avLst/>
+          </a:prstGeom>
+          <a:ln>
+            <a:solidFill>
+              <a:schemeClr val="bg1">
+                <a:lumMod val="85000"/>
+              </a:schemeClr>
+            </a:solidFill>
+          </a:ln>
+        </p:spPr>
+      </p:pic>
     </p:spTree>
     <p:extLst>
       <p:ext uri="{BB962C8B-B14F-4D97-AF65-F5344CB8AC3E}">

--- a/jsp_ppt/9장. JSTL.pptx
+++ b/jsp_ppt/9장. JSTL.pptx
@@ -5,7 +5,7 @@
     <p:sldMasterId id="2147483648" r:id="rId1"/>
   </p:sldMasterIdLst>
   <p:notesMasterIdLst>
-    <p:notesMasterId r:id="rId44"/>
+    <p:notesMasterId r:id="rId37"/>
   </p:notesMasterIdLst>
   <p:sldIdLst>
     <p:sldId id="256" r:id="rId2"/>
@@ -43,13 +43,6 @@
     <p:sldId id="413" r:id="rId34"/>
     <p:sldId id="398" r:id="rId35"/>
     <p:sldId id="399" r:id="rId36"/>
-    <p:sldId id="361" r:id="rId37"/>
-    <p:sldId id="377" r:id="rId38"/>
-    <p:sldId id="378" r:id="rId39"/>
-    <p:sldId id="428" r:id="rId40"/>
-    <p:sldId id="379" r:id="rId41"/>
-    <p:sldId id="429" r:id="rId42"/>
-    <p:sldId id="380" r:id="rId43"/>
   </p:sldIdLst>
   <p:sldSz cx="9906000" cy="6858000" type="A4"/>
   <p:notesSz cx="6858000" cy="9144000"/>
@@ -249,7 +242,7 @@
           <a:p>
             <a:fld id="{7665CDAC-D627-4E87-877A-1B781DD4CADC}" type="datetimeFigureOut">
               <a:rPr lang="ko-KR" altLang="en-US" smtClean="0"/>
-              <a:t>2023-06-09</a:t>
+              <a:t>2023-07-08</a:t>
             </a:fld>
             <a:endParaRPr lang="ko-KR" altLang="en-US"/>
           </a:p>
@@ -787,7 +780,7 @@
           <a:p>
             <a:fld id="{F4AC81B4-D91A-4578-85B3-829E63FCFE17}" type="datetime1">
               <a:rPr lang="ko-KR" altLang="en-US" smtClean="0"/>
-              <a:t>2023-06-09</a:t>
+              <a:t>2023-07-08</a:t>
             </a:fld>
             <a:endParaRPr lang="ko-KR" altLang="en-US"/>
           </a:p>
@@ -1162,7 +1155,7 @@
           <a:p>
             <a:fld id="{F5B77542-37E5-48F2-BAE7-80CC6B0EB6A3}" type="datetime1">
               <a:rPr lang="ko-KR" altLang="en-US" smtClean="0"/>
-              <a:t>2023-06-09</a:t>
+              <a:t>2023-07-08</a:t>
             </a:fld>
             <a:endParaRPr lang="ko-KR" altLang="en-US"/>
           </a:p>
@@ -1342,7 +1335,7 @@
           <a:p>
             <a:fld id="{227CF174-B5AC-4A98-B673-0BE8126D3F27}" type="datetime1">
               <a:rPr lang="ko-KR" altLang="en-US" smtClean="0"/>
-              <a:t>2023-06-09</a:t>
+              <a:t>2023-07-08</a:t>
             </a:fld>
             <a:endParaRPr lang="ko-KR" altLang="en-US"/>
           </a:p>
@@ -1516,7 +1509,7 @@
           <a:p>
             <a:fld id="{E20FDEC8-1339-42E8-9704-2977280C2FD3}" type="datetime1">
               <a:rPr lang="ko-KR" altLang="en-US" smtClean="0"/>
-              <a:t>2023-06-09</a:t>
+              <a:t>2023-07-08</a:t>
             </a:fld>
             <a:endParaRPr lang="ko-KR" altLang="en-US"/>
           </a:p>
@@ -1762,7 +1755,7 @@
           <a:p>
             <a:fld id="{4D18DC76-A282-4817-B790-197F054E1215}" type="datetime1">
               <a:rPr lang="ko-KR" altLang="en-US" smtClean="0"/>
-              <a:t>2023-06-09</a:t>
+              <a:t>2023-07-08</a:t>
             </a:fld>
             <a:endParaRPr lang="ko-KR" altLang="en-US"/>
           </a:p>
@@ -2050,7 +2043,7 @@
           <a:p>
             <a:fld id="{6680AA6C-13D8-43E4-90F0-E6C88A2B9F16}" type="datetime1">
               <a:rPr lang="ko-KR" altLang="en-US" smtClean="0"/>
-              <a:t>2023-06-09</a:t>
+              <a:t>2023-07-08</a:t>
             </a:fld>
             <a:endParaRPr lang="ko-KR" altLang="en-US"/>
           </a:p>
@@ -2472,7 +2465,7 @@
           <a:p>
             <a:fld id="{3EF5B03B-20CC-436E-8601-C933C6C1F4A6}" type="datetime1">
               <a:rPr lang="ko-KR" altLang="en-US" smtClean="0"/>
-              <a:t>2023-06-09</a:t>
+              <a:t>2023-07-08</a:t>
             </a:fld>
             <a:endParaRPr lang="ko-KR" altLang="en-US"/>
           </a:p>
@@ -2590,7 +2583,7 @@
           <a:p>
             <a:fld id="{87B5A15D-8B08-482F-AB47-E416EC355EB6}" type="datetime1">
               <a:rPr lang="ko-KR" altLang="en-US" smtClean="0"/>
-              <a:t>2023-06-09</a:t>
+              <a:t>2023-07-08</a:t>
             </a:fld>
             <a:endParaRPr lang="ko-KR" altLang="en-US"/>
           </a:p>
@@ -2685,7 +2678,7 @@
           <a:p>
             <a:fld id="{A877D7F8-7B64-44F8-A411-CBD22F28CBFF}" type="datetime1">
               <a:rPr lang="ko-KR" altLang="en-US" smtClean="0"/>
-              <a:t>2023-06-09</a:t>
+              <a:t>2023-07-08</a:t>
             </a:fld>
             <a:endParaRPr lang="ko-KR" altLang="en-US"/>
           </a:p>
@@ -2962,7 +2955,7 @@
           <a:p>
             <a:fld id="{E12DBD9B-2BB6-4D1F-BCB4-1E48829C93C3}" type="datetime1">
               <a:rPr lang="ko-KR" altLang="en-US" smtClean="0"/>
-              <a:t>2023-06-09</a:t>
+              <a:t>2023-07-08</a:t>
             </a:fld>
             <a:endParaRPr lang="ko-KR" altLang="en-US"/>
           </a:p>
@@ -3215,7 +3208,7 @@
           <a:p>
             <a:fld id="{17564C48-0CD7-40EB-BE64-BBF4DB8C56AF}" type="datetime1">
               <a:rPr lang="ko-KR" altLang="en-US" smtClean="0"/>
-              <a:t>2023-06-09</a:t>
+              <a:t>2023-07-08</a:t>
             </a:fld>
             <a:endParaRPr lang="ko-KR" altLang="en-US"/>
           </a:p>
@@ -3395,7 +3388,7 @@
           <a:p>
             <a:fld id="{C116BCB4-B68B-4638-8167-F4BDC0A30DA1}" type="datetime1">
               <a:rPr lang="ko-KR" altLang="en-US" smtClean="0"/>
-              <a:t>2023-06-09</a:t>
+              <a:t>2023-07-08</a:t>
             </a:fld>
             <a:endParaRPr lang="ko-KR" altLang="en-US"/>
           </a:p>
@@ -11681,7 +11674,7 @@
         <p:spPr>
           <a:xfrm>
             <a:off x="1424608" y="2276872"/>
-            <a:ext cx="3672408" cy="2251871"/>
+            <a:ext cx="4248472" cy="2605105"/>
           </a:xfrm>
           <a:prstGeom prst="rect">
             <a:avLst/>
@@ -11717,7 +11710,7 @@
         </p:blipFill>
         <p:spPr>
           <a:xfrm>
-            <a:off x="5817096" y="2276872"/>
+            <a:off x="6321152" y="2276872"/>
             <a:ext cx="952583" cy="1684166"/>
           </a:xfrm>
           <a:prstGeom prst="rect">
@@ -11740,7 +11733,7 @@
         </p:nvSpPr>
         <p:spPr>
           <a:xfrm>
-            <a:off x="3377906" y="1769630"/>
+            <a:off x="4005512" y="1753324"/>
             <a:ext cx="1743113" cy="338554"/>
           </a:xfrm>
           <a:prstGeom prst="rect">
@@ -14481,1653 +14474,6 @@
 </p:sld>
 </file>
 
-<file path=ppt/slides/slide36.xml><?xml version="1.0" encoding="utf-8"?>
-<p:sld xmlns:a="http://schemas.openxmlformats.org/drawingml/2006/main" xmlns:r="http://schemas.openxmlformats.org/officeDocument/2006/relationships" xmlns:p="http://schemas.openxmlformats.org/presentationml/2006/main">
-  <p:cSld>
-    <p:spTree>
-      <p:nvGrpSpPr>
-        <p:cNvPr id="1" name=""/>
-        <p:cNvGrpSpPr/>
-        <p:nvPr/>
-      </p:nvGrpSpPr>
-      <p:grpSpPr>
-        <a:xfrm>
-          <a:off x="0" y="0"/>
-          <a:ext cx="0" cy="0"/>
-          <a:chOff x="0" y="0"/>
-          <a:chExt cx="0" cy="0"/>
-        </a:xfrm>
-      </p:grpSpPr>
-      <p:sp>
-        <p:nvSpPr>
-          <p:cNvPr id="15" name="제목 5"/>
-          <p:cNvSpPr txBox="1">
-            <a:spLocks/>
-          </p:cNvSpPr>
-          <p:nvPr/>
-        </p:nvSpPr>
-        <p:spPr>
-          <a:xfrm>
-            <a:off x="0" y="53752"/>
-            <a:ext cx="7995338" cy="854968"/>
-          </a:xfrm>
-          <a:prstGeom prst="rect">
-            <a:avLst/>
-          </a:prstGeom>
-        </p:spPr>
-        <p:txBody>
-          <a:bodyPr anchor="ctr" anchorCtr="0"/>
-          <a:lstStyle>
-            <a:lvl1pPr algn="l" defTabSz="914400" rtl="0" eaLnBrk="1" latinLnBrk="1" hangingPunct="1">
-              <a:spcBef>
-                <a:spcPct val="0"/>
-              </a:spcBef>
-              <a:buNone/>
-              <a:defRPr sz="3200" kern="1200">
-                <a:solidFill>
-                  <a:schemeClr val="bg1"/>
-                </a:solidFill>
-                <a:latin typeface="HY헤드라인M" panose="02030600000101010101" pitchFamily="18" charset="-127"/>
-                <a:ea typeface="HY헤드라인M" panose="02030600000101010101" pitchFamily="18" charset="-127"/>
-                <a:cs typeface="+mj-cs"/>
-              </a:defRPr>
-            </a:lvl1pPr>
-          </a:lstStyle>
-          <a:p>
-            <a:r>
-              <a:rPr lang="en-US" altLang="ko-KR" dirty="0" smtClean="0"/>
-              <a:t> </a:t>
-            </a:r>
-            <a:r>
-              <a:rPr lang="en-US" altLang="ko-KR" b="1" dirty="0">
-                <a:latin typeface="휴먼엑스포" panose="02030504000101010101" pitchFamily="18" charset="-127"/>
-                <a:ea typeface="휴먼엑스포" panose="02030504000101010101" pitchFamily="18" charset="-127"/>
-              </a:rPr>
-              <a:t>JSTL </a:t>
-            </a:r>
-            <a:r>
-              <a:rPr lang="en-US" altLang="ko-KR" b="1" dirty="0" err="1" smtClean="0">
-                <a:latin typeface="휴먼엑스포" panose="02030504000101010101" pitchFamily="18" charset="-127"/>
-                <a:ea typeface="휴먼엑스포" panose="02030504000101010101" pitchFamily="18" charset="-127"/>
-              </a:rPr>
-              <a:t>sql</a:t>
-            </a:r>
-            <a:r>
-              <a:rPr lang="en-US" altLang="ko-KR" b="1" dirty="0" smtClean="0">
-                <a:latin typeface="휴먼엑스포" panose="02030504000101010101" pitchFamily="18" charset="-127"/>
-                <a:ea typeface="휴먼엑스포" panose="02030504000101010101" pitchFamily="18" charset="-127"/>
-              </a:rPr>
-              <a:t> </a:t>
-            </a:r>
-            <a:r>
-              <a:rPr lang="ko-KR" altLang="en-US" b="1" dirty="0">
-                <a:latin typeface="휴먼엑스포" panose="02030504000101010101" pitchFamily="18" charset="-127"/>
-                <a:ea typeface="휴먼엑스포" panose="02030504000101010101" pitchFamily="18" charset="-127"/>
-              </a:rPr>
-              <a:t>태그</a:t>
-            </a:r>
-            <a:endParaRPr lang="ko-KR" altLang="en-US" dirty="0"/>
-          </a:p>
-        </p:txBody>
-      </p:sp>
-      <p:sp>
-        <p:nvSpPr>
-          <p:cNvPr id="5" name="TextBox 4"/>
-          <p:cNvSpPr txBox="1"/>
-          <p:nvPr/>
-        </p:nvSpPr>
-        <p:spPr>
-          <a:xfrm>
-            <a:off x="776536" y="980728"/>
-            <a:ext cx="8928992" cy="969496"/>
-          </a:xfrm>
-          <a:prstGeom prst="rect">
-            <a:avLst/>
-          </a:prstGeom>
-          <a:noFill/>
-        </p:spPr>
-        <p:txBody>
-          <a:bodyPr wrap="square" rtlCol="0">
-            <a:spAutoFit/>
-          </a:bodyPr>
-          <a:lstStyle/>
-          <a:p>
-            <a:pPr>
-              <a:lnSpc>
-                <a:spcPct val="150000"/>
-              </a:lnSpc>
-            </a:pPr>
-            <a:r>
-              <a:rPr lang="en-US" altLang="ko-KR" sz="2000" b="1" dirty="0" err="1" smtClean="0"/>
-              <a:t>sql</a:t>
-            </a:r>
-            <a:r>
-              <a:rPr lang="en-US" altLang="ko-KR" sz="2000" b="1" dirty="0" smtClean="0"/>
-              <a:t> </a:t>
-            </a:r>
-            <a:r>
-              <a:rPr lang="ko-KR" altLang="en-US" sz="2000" b="1" dirty="0" smtClean="0"/>
-              <a:t>태그</a:t>
-            </a:r>
-            <a:endParaRPr lang="en-US" altLang="ko-KR" sz="2000" b="1" dirty="0" smtClean="0"/>
-          </a:p>
-          <a:p>
-            <a:pPr>
-              <a:lnSpc>
-                <a:spcPct val="150000"/>
-              </a:lnSpc>
-            </a:pPr>
-            <a:r>
-              <a:rPr lang="en-US" altLang="ko-KR" dirty="0" err="1"/>
-              <a:t>Jsp</a:t>
-            </a:r>
-            <a:r>
-              <a:rPr lang="ko-KR" altLang="en-US" dirty="0"/>
-              <a:t>에서 </a:t>
-            </a:r>
-            <a:r>
-              <a:rPr lang="ko-KR" altLang="en-US" dirty="0" smtClean="0"/>
-              <a:t>데이터베이스 를 </a:t>
-            </a:r>
-            <a:r>
-              <a:rPr lang="ko-KR" altLang="en-US" dirty="0" err="1" smtClean="0"/>
-              <a:t>사용할수</a:t>
-            </a:r>
-            <a:r>
-              <a:rPr lang="ko-KR" altLang="en-US" dirty="0" smtClean="0"/>
-              <a:t> 있도록 </a:t>
-            </a:r>
-            <a:r>
-              <a:rPr lang="ko-KR" altLang="en-US" dirty="0"/>
-              <a:t>기능을 만들어 둔 </a:t>
-            </a:r>
-            <a:r>
-              <a:rPr lang="ko-KR" altLang="en-US" dirty="0" err="1"/>
-              <a:t>커스텀</a:t>
-            </a:r>
-            <a:r>
-              <a:rPr lang="ko-KR" altLang="en-US" dirty="0"/>
-              <a:t> </a:t>
-            </a:r>
-            <a:r>
-              <a:rPr lang="ko-KR" altLang="en-US" dirty="0" smtClean="0"/>
-              <a:t>태그이다</a:t>
-            </a:r>
-            <a:r>
-              <a:rPr lang="en-US" altLang="ko-KR" dirty="0" smtClean="0"/>
-              <a:t>.</a:t>
-            </a:r>
-            <a:endParaRPr lang="en-US" altLang="ko-KR" dirty="0"/>
-          </a:p>
-        </p:txBody>
-      </p:sp>
-      <p:graphicFrame>
-        <p:nvGraphicFramePr>
-          <p:cNvPr id="7" name="표 6"/>
-          <p:cNvGraphicFramePr>
-            <a:graphicFrameLocks noGrp="1"/>
-          </p:cNvGraphicFramePr>
-          <p:nvPr>
-            <p:extLst>
-              <p:ext uri="{D42A27DB-BD31-4B8C-83A1-F6EECF244321}">
-                <p14:modId xmlns:p14="http://schemas.microsoft.com/office/powerpoint/2010/main" val="740951854"/>
-              </p:ext>
-            </p:extLst>
-          </p:nvPr>
-        </p:nvGraphicFramePr>
-        <p:xfrm>
-          <a:off x="992560" y="2852935"/>
-          <a:ext cx="7632848" cy="2160241"/>
-        </p:xfrm>
-        <a:graphic>
-          <a:graphicData uri="http://schemas.openxmlformats.org/drawingml/2006/table">
-            <a:tbl>
-              <a:tblPr firstRow="1" bandRow="1">
-                <a:tableStyleId>{5940675A-B579-460E-94D1-54222C63F5DA}</a:tableStyleId>
-              </a:tblPr>
-              <a:tblGrid>
-                <a:gridCol w="2664296">
-                  <a:extLst>
-                    <a:ext uri="{9D8B030D-6E8A-4147-A177-3AD203B41FA5}">
-                      <a16:colId xmlns:a16="http://schemas.microsoft.com/office/drawing/2014/main" val="20000"/>
-                    </a:ext>
-                  </a:extLst>
-                </a:gridCol>
-                <a:gridCol w="4968552">
-                  <a:extLst>
-                    <a:ext uri="{9D8B030D-6E8A-4147-A177-3AD203B41FA5}">
-                      <a16:colId xmlns:a16="http://schemas.microsoft.com/office/drawing/2014/main" val="20001"/>
-                    </a:ext>
-                  </a:extLst>
-                </a:gridCol>
-              </a:tblGrid>
-              <a:tr h="402757">
-                <a:tc>
-                  <a:txBody>
-                    <a:bodyPr/>
-                    <a:lstStyle/>
-                    <a:p>
-                      <a:pPr algn="ctr" latinLnBrk="1"/>
-                      <a:r>
-                        <a:rPr lang="ko-KR" altLang="en-US" sz="1600" dirty="0" smtClean="0"/>
-                        <a:t>태그</a:t>
-                      </a:r>
-                      <a:endParaRPr lang="ko-KR" altLang="en-US" sz="1600" dirty="0"/>
-                    </a:p>
-                  </a:txBody>
-                  <a:tcPr anchor="ctr">
-                    <a:lnL w="12700" cmpd="sng">
-                      <a:noFill/>
-                    </a:lnL>
-                    <a:solidFill>
-                      <a:schemeClr val="bg1">
-                        <a:lumMod val="95000"/>
-                      </a:schemeClr>
-                    </a:solidFill>
-                  </a:tcPr>
-                </a:tc>
-                <a:tc>
-                  <a:txBody>
-                    <a:bodyPr/>
-                    <a:lstStyle/>
-                    <a:p>
-                      <a:pPr algn="ctr" latinLnBrk="1"/>
-                      <a:r>
-                        <a:rPr lang="ko-KR" altLang="en-US" sz="1600" dirty="0" smtClean="0"/>
-                        <a:t>기능</a:t>
-                      </a:r>
-                      <a:endParaRPr lang="ko-KR" altLang="en-US" sz="1600" dirty="0"/>
-                    </a:p>
-                  </a:txBody>
-                  <a:tcPr anchor="ctr">
-                    <a:lnR w="12700" cmpd="sng">
-                      <a:noFill/>
-                    </a:lnR>
-                    <a:solidFill>
-                      <a:schemeClr val="bg1">
-                        <a:lumMod val="95000"/>
-                      </a:schemeClr>
-                    </a:solidFill>
-                  </a:tcPr>
-                </a:tc>
-                <a:extLst>
-                  <a:ext uri="{0D108BD9-81ED-4DB2-BD59-A6C34878D82A}">
-                    <a16:rowId xmlns:a16="http://schemas.microsoft.com/office/drawing/2014/main" val="10000"/>
-                  </a:ext>
-                </a:extLst>
-              </a:tr>
-              <a:tr h="439371">
-                <a:tc>
-                  <a:txBody>
-                    <a:bodyPr/>
-                    <a:lstStyle/>
-                    <a:p>
-                      <a:pPr algn="l" latinLnBrk="1"/>
-                      <a:r>
-                        <a:rPr lang="en-US" altLang="ko-KR" sz="1800" dirty="0" smtClean="0"/>
-                        <a:t> &lt;</a:t>
-                      </a:r>
-                      <a:r>
-                        <a:rPr lang="en-US" altLang="ko-KR" sz="1800" dirty="0" err="1" smtClean="0"/>
-                        <a:t>sql:setDataSource</a:t>
-                      </a:r>
-                      <a:r>
-                        <a:rPr lang="en-US" altLang="ko-KR" sz="1800" dirty="0" smtClean="0"/>
-                        <a:t>&gt;</a:t>
-                      </a:r>
-                    </a:p>
-                  </a:txBody>
-                  <a:tcPr anchor="ctr">
-                    <a:lnL w="12700" cmpd="sng">
-                      <a:noFill/>
-                    </a:lnL>
-                  </a:tcPr>
-                </a:tc>
-                <a:tc>
-                  <a:txBody>
-                    <a:bodyPr/>
-                    <a:lstStyle/>
-                    <a:p>
-                      <a:pPr marL="0" marR="0" lvl="0" indent="0" algn="l" defTabSz="914400" rtl="0" eaLnBrk="1" fontAlgn="auto" latinLnBrk="1" hangingPunct="1">
-                        <a:lnSpc>
-                          <a:spcPct val="100000"/>
-                        </a:lnSpc>
-                        <a:spcBef>
-                          <a:spcPts val="0"/>
-                        </a:spcBef>
-                        <a:spcAft>
-                          <a:spcPts val="0"/>
-                        </a:spcAft>
-                        <a:buClrTx/>
-                        <a:buSzTx/>
-                        <a:buFontTx/>
-                        <a:buNone/>
-                        <a:tabLst/>
-                        <a:defRPr/>
-                      </a:pPr>
-                      <a:r>
-                        <a:rPr lang="en-US" altLang="ko-KR" sz="1600" dirty="0" err="1" smtClean="0"/>
-                        <a:t>DataSource</a:t>
-                      </a:r>
-                      <a:r>
-                        <a:rPr lang="ko-KR" altLang="en-US" sz="1600" dirty="0" smtClean="0"/>
-                        <a:t>를 설정하는데 사용</a:t>
-                      </a:r>
-                    </a:p>
-                  </a:txBody>
-                  <a:tcPr anchor="ctr">
-                    <a:lnR w="12700" cmpd="sng">
-                      <a:noFill/>
-                    </a:lnR>
-                  </a:tcPr>
-                </a:tc>
-                <a:extLst>
-                  <a:ext uri="{0D108BD9-81ED-4DB2-BD59-A6C34878D82A}">
-                    <a16:rowId xmlns:a16="http://schemas.microsoft.com/office/drawing/2014/main" val="10001"/>
-                  </a:ext>
-                </a:extLst>
-              </a:tr>
-              <a:tr h="439371">
-                <a:tc>
-                  <a:txBody>
-                    <a:bodyPr/>
-                    <a:lstStyle/>
-                    <a:p>
-                      <a:pPr marL="0" marR="0" indent="0" algn="l" defTabSz="914400" rtl="0" eaLnBrk="1" fontAlgn="auto" latinLnBrk="1" hangingPunct="1">
-                        <a:lnSpc>
-                          <a:spcPct val="100000"/>
-                        </a:lnSpc>
-                        <a:spcBef>
-                          <a:spcPts val="0"/>
-                        </a:spcBef>
-                        <a:spcAft>
-                          <a:spcPts val="0"/>
-                        </a:spcAft>
-                        <a:buClrTx/>
-                        <a:buSzTx/>
-                        <a:buFontTx/>
-                        <a:buNone/>
-                        <a:tabLst/>
-                        <a:defRPr/>
-                      </a:pPr>
-                      <a:r>
-                        <a:rPr lang="en-US" altLang="ko-KR" sz="1800" dirty="0" smtClean="0"/>
-                        <a:t> &lt;</a:t>
-                      </a:r>
-                      <a:r>
-                        <a:rPr lang="en-US" altLang="ko-KR" sz="1800" dirty="0" err="1" smtClean="0"/>
-                        <a:t>sql:query</a:t>
-                      </a:r>
-                      <a:r>
-                        <a:rPr lang="en-US" altLang="ko-KR" sz="1800" dirty="0" smtClean="0"/>
-                        <a:t>&gt;</a:t>
-                      </a:r>
-                    </a:p>
-                  </a:txBody>
-                  <a:tcPr anchor="ctr">
-                    <a:lnL w="12700" cmpd="sng">
-                      <a:noFill/>
-                    </a:lnL>
-                  </a:tcPr>
-                </a:tc>
-                <a:tc>
-                  <a:txBody>
-                    <a:bodyPr/>
-                    <a:lstStyle/>
-                    <a:p>
-                      <a:pPr marL="0" marR="0" lvl="0" indent="0" algn="l" defTabSz="914400" rtl="0" eaLnBrk="1" fontAlgn="auto" latinLnBrk="1" hangingPunct="1">
-                        <a:lnSpc>
-                          <a:spcPct val="100000"/>
-                        </a:lnSpc>
-                        <a:spcBef>
-                          <a:spcPts val="0"/>
-                        </a:spcBef>
-                        <a:spcAft>
-                          <a:spcPts val="0"/>
-                        </a:spcAft>
-                        <a:buClrTx/>
-                        <a:buSzTx/>
-                        <a:buFontTx/>
-                        <a:buNone/>
-                        <a:tabLst/>
-                        <a:defRPr/>
-                      </a:pPr>
-                      <a:r>
-                        <a:rPr lang="ko-KR" altLang="en-US" sz="1600" dirty="0" smtClean="0"/>
-                        <a:t>조회 </a:t>
-                      </a:r>
-                      <a:r>
-                        <a:rPr lang="ko-KR" altLang="en-US" sz="1600" dirty="0" err="1" smtClean="0"/>
-                        <a:t>쿼리문을</a:t>
-                      </a:r>
-                      <a:r>
-                        <a:rPr lang="ko-KR" altLang="en-US" sz="1600" dirty="0" smtClean="0"/>
-                        <a:t> 실행하는데 사용</a:t>
-                      </a:r>
-                    </a:p>
-                  </a:txBody>
-                  <a:tcPr anchor="ctr">
-                    <a:lnR w="12700" cmpd="sng">
-                      <a:noFill/>
-                    </a:lnR>
-                  </a:tcPr>
-                </a:tc>
-                <a:extLst>
-                  <a:ext uri="{0D108BD9-81ED-4DB2-BD59-A6C34878D82A}">
-                    <a16:rowId xmlns:a16="http://schemas.microsoft.com/office/drawing/2014/main" val="10002"/>
-                  </a:ext>
-                </a:extLst>
-              </a:tr>
-              <a:tr h="439371">
-                <a:tc>
-                  <a:txBody>
-                    <a:bodyPr/>
-                    <a:lstStyle/>
-                    <a:p>
-                      <a:pPr marL="0" marR="0" indent="0" algn="l" defTabSz="914400" rtl="0" eaLnBrk="1" fontAlgn="auto" latinLnBrk="1" hangingPunct="1">
-                        <a:lnSpc>
-                          <a:spcPct val="100000"/>
-                        </a:lnSpc>
-                        <a:spcBef>
-                          <a:spcPts val="0"/>
-                        </a:spcBef>
-                        <a:spcAft>
-                          <a:spcPts val="0"/>
-                        </a:spcAft>
-                        <a:buClrTx/>
-                        <a:buSzTx/>
-                        <a:buFontTx/>
-                        <a:buNone/>
-                        <a:tabLst/>
-                        <a:defRPr/>
-                      </a:pPr>
-                      <a:r>
-                        <a:rPr lang="en-US" altLang="ko-KR" sz="1800" dirty="0" smtClean="0"/>
-                        <a:t> &lt;</a:t>
-                      </a:r>
-                      <a:r>
-                        <a:rPr lang="en-US" altLang="ko-KR" sz="1800" dirty="0" err="1" smtClean="0"/>
-                        <a:t>sql:update</a:t>
-                      </a:r>
-                      <a:r>
-                        <a:rPr lang="en-US" altLang="ko-KR" sz="1800" dirty="0" smtClean="0"/>
-                        <a:t>&gt;</a:t>
-                      </a:r>
-                    </a:p>
-                  </a:txBody>
-                  <a:tcPr anchor="ctr">
-                    <a:lnL w="12700" cmpd="sng">
-                      <a:noFill/>
-                    </a:lnL>
-                  </a:tcPr>
-                </a:tc>
-                <a:tc>
-                  <a:txBody>
-                    <a:bodyPr/>
-                    <a:lstStyle/>
-                    <a:p>
-                      <a:pPr marL="0" marR="0" lvl="0" indent="0" algn="l" defTabSz="914400" rtl="0" eaLnBrk="1" fontAlgn="auto" latinLnBrk="1" hangingPunct="1">
-                        <a:lnSpc>
-                          <a:spcPct val="100000"/>
-                        </a:lnSpc>
-                        <a:spcBef>
-                          <a:spcPts val="0"/>
-                        </a:spcBef>
-                        <a:spcAft>
-                          <a:spcPts val="0"/>
-                        </a:spcAft>
-                        <a:buClrTx/>
-                        <a:buSzTx/>
-                        <a:buFontTx/>
-                        <a:buNone/>
-                        <a:tabLst/>
-                        <a:defRPr/>
-                      </a:pPr>
-                      <a:r>
-                        <a:rPr lang="ko-KR" altLang="en-US" sz="1600" dirty="0" smtClean="0"/>
-                        <a:t>삽입</a:t>
-                      </a:r>
-                      <a:r>
-                        <a:rPr lang="en-US" altLang="ko-KR" sz="1600" dirty="0" smtClean="0"/>
-                        <a:t>, </a:t>
-                      </a:r>
-                      <a:r>
-                        <a:rPr lang="ko-KR" altLang="en-US" sz="1600" dirty="0" smtClean="0"/>
-                        <a:t>수정</a:t>
-                      </a:r>
-                      <a:r>
-                        <a:rPr lang="en-US" altLang="ko-KR" sz="1600" dirty="0" smtClean="0"/>
-                        <a:t>, </a:t>
-                      </a:r>
-                      <a:r>
-                        <a:rPr lang="ko-KR" altLang="en-US" sz="1600" dirty="0" smtClean="0"/>
-                        <a:t>삭제 </a:t>
-                      </a:r>
-                      <a:r>
-                        <a:rPr lang="ko-KR" altLang="en-US" sz="1600" dirty="0" err="1" smtClean="0"/>
-                        <a:t>쿼리문을</a:t>
-                      </a:r>
-                      <a:r>
-                        <a:rPr lang="ko-KR" altLang="en-US" sz="1600" dirty="0" smtClean="0"/>
-                        <a:t> 실행하는데 사용</a:t>
-                      </a:r>
-                    </a:p>
-                  </a:txBody>
-                  <a:tcPr anchor="ctr">
-                    <a:lnR w="12700" cmpd="sng">
-                      <a:noFill/>
-                    </a:lnR>
-                  </a:tcPr>
-                </a:tc>
-                <a:extLst>
-                  <a:ext uri="{0D108BD9-81ED-4DB2-BD59-A6C34878D82A}">
-                    <a16:rowId xmlns:a16="http://schemas.microsoft.com/office/drawing/2014/main" val="10003"/>
-                  </a:ext>
-                </a:extLst>
-              </a:tr>
-              <a:tr h="439371">
-                <a:tc>
-                  <a:txBody>
-                    <a:bodyPr/>
-                    <a:lstStyle/>
-                    <a:p>
-                      <a:pPr marL="0" marR="0" indent="0" algn="l" defTabSz="914400" rtl="0" eaLnBrk="1" fontAlgn="auto" latinLnBrk="1" hangingPunct="1">
-                        <a:lnSpc>
-                          <a:spcPct val="100000"/>
-                        </a:lnSpc>
-                        <a:spcBef>
-                          <a:spcPts val="0"/>
-                        </a:spcBef>
-                        <a:spcAft>
-                          <a:spcPts val="0"/>
-                        </a:spcAft>
-                        <a:buClrTx/>
-                        <a:buSzTx/>
-                        <a:buFontTx/>
-                        <a:buNone/>
-                        <a:tabLst/>
-                        <a:defRPr/>
-                      </a:pPr>
-                      <a:r>
-                        <a:rPr lang="en-US" altLang="ko-KR" sz="1800" dirty="0" smtClean="0"/>
-                        <a:t> &lt;</a:t>
-                      </a:r>
-                      <a:r>
-                        <a:rPr lang="en-US" altLang="ko-KR" sz="1800" dirty="0" err="1" smtClean="0"/>
-                        <a:t>sql:param</a:t>
-                      </a:r>
-                      <a:r>
-                        <a:rPr lang="en-US" altLang="ko-KR" sz="1800" dirty="0" smtClean="0"/>
-                        <a:t>&gt;</a:t>
-                      </a:r>
-                    </a:p>
-                  </a:txBody>
-                  <a:tcPr anchor="ctr">
-                    <a:lnL w="12700" cmpd="sng">
-                      <a:noFill/>
-                    </a:lnL>
-                  </a:tcPr>
-                </a:tc>
-                <a:tc>
-                  <a:txBody>
-                    <a:bodyPr/>
-                    <a:lstStyle/>
-                    <a:p>
-                      <a:pPr marL="0" marR="0" lvl="0" indent="0" algn="l" defTabSz="914400" rtl="0" eaLnBrk="1" fontAlgn="auto" latinLnBrk="1" hangingPunct="1">
-                        <a:lnSpc>
-                          <a:spcPct val="100000"/>
-                        </a:lnSpc>
-                        <a:spcBef>
-                          <a:spcPts val="0"/>
-                        </a:spcBef>
-                        <a:spcAft>
-                          <a:spcPts val="0"/>
-                        </a:spcAft>
-                        <a:buClrTx/>
-                        <a:buSzTx/>
-                        <a:buFontTx/>
-                        <a:buNone/>
-                        <a:tabLst/>
-                        <a:defRPr/>
-                      </a:pPr>
-                      <a:r>
-                        <a:rPr lang="ko-KR" altLang="en-US" sz="1600" dirty="0" err="1" smtClean="0"/>
-                        <a:t>폼페이지에서</a:t>
-                      </a:r>
-                      <a:r>
-                        <a:rPr lang="ko-KR" altLang="en-US" sz="1600" dirty="0" smtClean="0"/>
-                        <a:t> 전송된 </a:t>
-                      </a:r>
-                      <a:r>
-                        <a:rPr lang="en-US" altLang="ko-KR" sz="1600" dirty="0" smtClean="0"/>
-                        <a:t>name</a:t>
-                      </a:r>
-                      <a:r>
-                        <a:rPr lang="en-US" altLang="ko-KR" sz="1600" baseline="0" dirty="0" smtClean="0"/>
-                        <a:t> </a:t>
-                      </a:r>
-                      <a:r>
-                        <a:rPr lang="ko-KR" altLang="en-US" sz="1600" baseline="0" dirty="0" smtClean="0"/>
-                        <a:t>값 설정</a:t>
-                      </a:r>
-                      <a:endParaRPr lang="ko-KR" altLang="en-US" sz="1600" dirty="0" smtClean="0"/>
-                    </a:p>
-                  </a:txBody>
-                  <a:tcPr anchor="ctr">
-                    <a:lnR w="12700" cmpd="sng">
-                      <a:noFill/>
-                    </a:lnR>
-                  </a:tcPr>
-                </a:tc>
-                <a:extLst>
-                  <a:ext uri="{0D108BD9-81ED-4DB2-BD59-A6C34878D82A}">
-                    <a16:rowId xmlns:a16="http://schemas.microsoft.com/office/drawing/2014/main" val="10004"/>
-                  </a:ext>
-                </a:extLst>
-              </a:tr>
-            </a:tbl>
-          </a:graphicData>
-        </a:graphic>
-      </p:graphicFrame>
-      <p:sp>
-        <p:nvSpPr>
-          <p:cNvPr id="8" name="TextBox 7"/>
-          <p:cNvSpPr txBox="1"/>
-          <p:nvPr/>
-        </p:nvSpPr>
-        <p:spPr>
-          <a:xfrm>
-            <a:off x="992560" y="2132856"/>
-            <a:ext cx="7488832" cy="408623"/>
-          </a:xfrm>
-          <a:prstGeom prst="roundRect">
-            <a:avLst/>
-          </a:prstGeom>
-          <a:ln w="12700"/>
-        </p:spPr>
-        <p:style>
-          <a:lnRef idx="2">
-            <a:schemeClr val="dk1"/>
-          </a:lnRef>
-          <a:fillRef idx="1">
-            <a:schemeClr val="lt1"/>
-          </a:fillRef>
-          <a:effectRef idx="0">
-            <a:schemeClr val="dk1"/>
-          </a:effectRef>
-          <a:fontRef idx="minor">
-            <a:schemeClr val="dk1"/>
-          </a:fontRef>
-        </p:style>
-        <p:txBody>
-          <a:bodyPr wrap="square" rtlCol="0">
-            <a:spAutoFit/>
-          </a:bodyPr>
-          <a:lstStyle/>
-          <a:p>
-            <a:r>
-              <a:rPr lang="en-US" altLang="ko-KR" b="1" dirty="0" smtClean="0">
-                <a:solidFill>
-                  <a:schemeClr val="tx1"/>
-                </a:solidFill>
-              </a:rPr>
-              <a:t>&lt;%@ </a:t>
-            </a:r>
-            <a:r>
-              <a:rPr lang="en-US" altLang="ko-KR" b="1" dirty="0" err="1" smtClean="0">
-                <a:solidFill>
-                  <a:schemeClr val="tx1"/>
-                </a:solidFill>
-              </a:rPr>
-              <a:t>taglib</a:t>
-            </a:r>
-            <a:r>
-              <a:rPr lang="en-US" altLang="ko-KR" b="1" dirty="0" smtClean="0">
-                <a:solidFill>
-                  <a:schemeClr val="tx1"/>
-                </a:solidFill>
-              </a:rPr>
-              <a:t> </a:t>
-            </a:r>
-            <a:r>
-              <a:rPr lang="en-US" altLang="ko-KR" b="1" dirty="0" smtClean="0">
-                <a:solidFill>
-                  <a:srgbClr val="C00000"/>
-                </a:solidFill>
-              </a:rPr>
-              <a:t>prefix</a:t>
-            </a:r>
-            <a:r>
-              <a:rPr lang="en-US" altLang="ko-KR" b="1" dirty="0" smtClean="0">
-                <a:solidFill>
-                  <a:schemeClr val="tx1"/>
-                </a:solidFill>
-              </a:rPr>
-              <a:t>=“</a:t>
-            </a:r>
-            <a:r>
-              <a:rPr lang="en-US" altLang="ko-KR" b="1" dirty="0" err="1" smtClean="0">
-                <a:solidFill>
-                  <a:schemeClr val="tx1"/>
-                </a:solidFill>
-              </a:rPr>
-              <a:t>sql</a:t>
-            </a:r>
-            <a:r>
-              <a:rPr lang="en-US" altLang="ko-KR" b="1" dirty="0" smtClean="0">
-                <a:solidFill>
-                  <a:schemeClr val="tx1"/>
-                </a:solidFill>
-              </a:rPr>
-              <a:t>” </a:t>
-            </a:r>
-            <a:r>
-              <a:rPr lang="en-US" altLang="ko-KR" b="1" dirty="0" err="1" smtClean="0">
-                <a:solidFill>
-                  <a:srgbClr val="C00000"/>
-                </a:solidFill>
-              </a:rPr>
-              <a:t>uri</a:t>
-            </a:r>
-            <a:r>
-              <a:rPr lang="en-US" altLang="ko-KR" b="1" dirty="0" smtClean="0">
-                <a:solidFill>
-                  <a:schemeClr val="tx1"/>
-                </a:solidFill>
-              </a:rPr>
-              <a:t>=“http://java.sun.com/</a:t>
-            </a:r>
-            <a:r>
-              <a:rPr lang="en-US" altLang="ko-KR" b="1" dirty="0" err="1" smtClean="0">
-                <a:solidFill>
-                  <a:schemeClr val="tx1"/>
-                </a:solidFill>
-              </a:rPr>
-              <a:t>jsp</a:t>
-            </a:r>
-            <a:r>
-              <a:rPr lang="en-US" altLang="ko-KR" b="1" dirty="0" smtClean="0">
-                <a:solidFill>
-                  <a:schemeClr val="tx1"/>
-                </a:solidFill>
-              </a:rPr>
-              <a:t>/</a:t>
-            </a:r>
-            <a:r>
-              <a:rPr lang="en-US" altLang="ko-KR" b="1" dirty="0" err="1" smtClean="0">
-                <a:solidFill>
-                  <a:schemeClr val="tx1"/>
-                </a:solidFill>
-              </a:rPr>
-              <a:t>jstl</a:t>
-            </a:r>
-            <a:r>
-              <a:rPr lang="en-US" altLang="ko-KR" b="1" dirty="0" smtClean="0">
-                <a:solidFill>
-                  <a:schemeClr val="tx1"/>
-                </a:solidFill>
-              </a:rPr>
-              <a:t>/</a:t>
-            </a:r>
-            <a:r>
-              <a:rPr lang="en-US" altLang="ko-KR" b="1" dirty="0" err="1" smtClean="0">
-                <a:solidFill>
-                  <a:schemeClr val="tx1"/>
-                </a:solidFill>
-              </a:rPr>
-              <a:t>sql</a:t>
-            </a:r>
-            <a:r>
-              <a:rPr lang="en-US" altLang="ko-KR" b="1" dirty="0" smtClean="0">
-                <a:solidFill>
-                  <a:schemeClr val="tx1"/>
-                </a:solidFill>
-              </a:rPr>
-              <a:t>” %&gt;</a:t>
-            </a:r>
-            <a:endParaRPr lang="en-US" altLang="ko-KR" b="1" dirty="0">
-              <a:solidFill>
-                <a:schemeClr val="tx1"/>
-              </a:solidFill>
-            </a:endParaRPr>
-          </a:p>
-        </p:txBody>
-      </p:sp>
-    </p:spTree>
-    <p:extLst>
-      <p:ext uri="{BB962C8B-B14F-4D97-AF65-F5344CB8AC3E}">
-        <p14:creationId xmlns:p14="http://schemas.microsoft.com/office/powerpoint/2010/main" val="3379575603"/>
-      </p:ext>
-    </p:extLst>
-  </p:cSld>
-  <p:clrMapOvr>
-    <a:masterClrMapping/>
-  </p:clrMapOvr>
-  <p:timing>
-    <p:tnLst>
-      <p:par>
-        <p:cTn id="1" dur="indefinite" restart="never" nodeType="tmRoot"/>
-      </p:par>
-    </p:tnLst>
-  </p:timing>
-</p:sld>
-</file>
-
-<file path=ppt/slides/slide37.xml><?xml version="1.0" encoding="utf-8"?>
-<p:sld xmlns:a="http://schemas.openxmlformats.org/drawingml/2006/main" xmlns:r="http://schemas.openxmlformats.org/officeDocument/2006/relationships" xmlns:p="http://schemas.openxmlformats.org/presentationml/2006/main">
-  <p:cSld>
-    <p:spTree>
-      <p:nvGrpSpPr>
-        <p:cNvPr id="1" name=""/>
-        <p:cNvGrpSpPr/>
-        <p:nvPr/>
-      </p:nvGrpSpPr>
-      <p:grpSpPr>
-        <a:xfrm>
-          <a:off x="0" y="0"/>
-          <a:ext cx="0" cy="0"/>
-          <a:chOff x="0" y="0"/>
-          <a:chExt cx="0" cy="0"/>
-        </a:xfrm>
-      </p:grpSpPr>
-      <p:sp>
-        <p:nvSpPr>
-          <p:cNvPr id="15" name="제목 5"/>
-          <p:cNvSpPr txBox="1">
-            <a:spLocks/>
-          </p:cNvSpPr>
-          <p:nvPr/>
-        </p:nvSpPr>
-        <p:spPr>
-          <a:xfrm>
-            <a:off x="0" y="53752"/>
-            <a:ext cx="7995338" cy="854968"/>
-          </a:xfrm>
-          <a:prstGeom prst="rect">
-            <a:avLst/>
-          </a:prstGeom>
-        </p:spPr>
-        <p:txBody>
-          <a:bodyPr anchor="ctr" anchorCtr="0"/>
-          <a:lstStyle>
-            <a:lvl1pPr algn="l" defTabSz="914400" rtl="0" eaLnBrk="1" latinLnBrk="1" hangingPunct="1">
-              <a:spcBef>
-                <a:spcPct val="0"/>
-              </a:spcBef>
-              <a:buNone/>
-              <a:defRPr sz="3200" kern="1200">
-                <a:solidFill>
-                  <a:schemeClr val="bg1"/>
-                </a:solidFill>
-                <a:latin typeface="HY헤드라인M" panose="02030600000101010101" pitchFamily="18" charset="-127"/>
-                <a:ea typeface="HY헤드라인M" panose="02030600000101010101" pitchFamily="18" charset="-127"/>
-                <a:cs typeface="+mj-cs"/>
-              </a:defRPr>
-            </a:lvl1pPr>
-          </a:lstStyle>
-          <a:p>
-            <a:r>
-              <a:rPr lang="en-US" altLang="ko-KR" dirty="0" smtClean="0"/>
-              <a:t> </a:t>
-            </a:r>
-            <a:r>
-              <a:rPr lang="en-US" altLang="ko-KR" b="1" dirty="0">
-                <a:latin typeface="휴먼엑스포" panose="02030504000101010101" pitchFamily="18" charset="-127"/>
-                <a:ea typeface="휴먼엑스포" panose="02030504000101010101" pitchFamily="18" charset="-127"/>
-              </a:rPr>
-              <a:t>JSTL </a:t>
-            </a:r>
-            <a:r>
-              <a:rPr lang="en-US" altLang="ko-KR" b="1" dirty="0" err="1">
-                <a:latin typeface="휴먼엑스포" panose="02030504000101010101" pitchFamily="18" charset="-127"/>
-                <a:ea typeface="휴먼엑스포" panose="02030504000101010101" pitchFamily="18" charset="-127"/>
-              </a:rPr>
-              <a:t>sql</a:t>
-            </a:r>
-            <a:r>
-              <a:rPr lang="en-US" altLang="ko-KR" b="1" dirty="0">
-                <a:latin typeface="휴먼엑스포" panose="02030504000101010101" pitchFamily="18" charset="-127"/>
-                <a:ea typeface="휴먼엑스포" panose="02030504000101010101" pitchFamily="18" charset="-127"/>
-              </a:rPr>
-              <a:t> </a:t>
-            </a:r>
-            <a:r>
-              <a:rPr lang="ko-KR" altLang="en-US" b="1" dirty="0">
-                <a:latin typeface="휴먼엑스포" panose="02030504000101010101" pitchFamily="18" charset="-127"/>
-                <a:ea typeface="휴먼엑스포" panose="02030504000101010101" pitchFamily="18" charset="-127"/>
-              </a:rPr>
-              <a:t>태그</a:t>
-            </a:r>
-            <a:endParaRPr lang="ko-KR" altLang="en-US" dirty="0"/>
-          </a:p>
-        </p:txBody>
-      </p:sp>
-      <p:sp>
-        <p:nvSpPr>
-          <p:cNvPr id="5" name="TextBox 4"/>
-          <p:cNvSpPr txBox="1"/>
-          <p:nvPr/>
-        </p:nvSpPr>
-        <p:spPr>
-          <a:xfrm>
-            <a:off x="776536" y="980728"/>
-            <a:ext cx="8928992" cy="494494"/>
-          </a:xfrm>
-          <a:prstGeom prst="rect">
-            <a:avLst/>
-          </a:prstGeom>
-          <a:noFill/>
-        </p:spPr>
-        <p:txBody>
-          <a:bodyPr wrap="square" rtlCol="0">
-            <a:spAutoFit/>
-          </a:bodyPr>
-          <a:lstStyle/>
-          <a:p>
-            <a:pPr>
-              <a:lnSpc>
-                <a:spcPct val="150000"/>
-              </a:lnSpc>
-            </a:pPr>
-            <a:r>
-              <a:rPr lang="en-US" altLang="ko-KR" sz="2000" b="1" dirty="0" smtClean="0"/>
-              <a:t>&lt;</a:t>
-            </a:r>
-            <a:r>
-              <a:rPr lang="en-US" altLang="ko-KR" sz="2000" b="1" dirty="0" err="1" smtClean="0"/>
-              <a:t>sql:query</a:t>
-            </a:r>
-            <a:r>
-              <a:rPr lang="en-US" altLang="ko-KR" sz="2000" b="1" dirty="0" smtClean="0"/>
-              <a:t>&gt;</a:t>
-            </a:r>
-            <a:r>
-              <a:rPr lang="ko-KR" altLang="en-US" sz="2000" b="1" dirty="0" smtClean="0"/>
-              <a:t>태그로 </a:t>
-            </a:r>
-            <a:r>
-              <a:rPr lang="en-US" altLang="ko-KR" sz="2000" b="1" dirty="0" smtClean="0"/>
-              <a:t>SELECT</a:t>
-            </a:r>
-            <a:r>
-              <a:rPr lang="ko-KR" altLang="en-US" sz="2000" b="1" dirty="0"/>
-              <a:t> </a:t>
-            </a:r>
-            <a:r>
-              <a:rPr lang="ko-KR" altLang="en-US" sz="2000" b="1" dirty="0" err="1" smtClean="0"/>
-              <a:t>쿼리문</a:t>
-            </a:r>
-            <a:r>
-              <a:rPr lang="ko-KR" altLang="en-US" sz="2000" b="1" dirty="0" smtClean="0"/>
-              <a:t> 실행하기</a:t>
-            </a:r>
-            <a:r>
-              <a:rPr lang="en-US" altLang="ko-KR" dirty="0" smtClean="0"/>
-              <a:t>.</a:t>
-            </a:r>
-            <a:endParaRPr lang="en-US" altLang="ko-KR" dirty="0"/>
-          </a:p>
-        </p:txBody>
-      </p:sp>
-      <p:pic>
-        <p:nvPicPr>
-          <p:cNvPr id="8" name="그림 7"/>
-          <p:cNvPicPr>
-            <a:picLocks noChangeAspect="1"/>
-          </p:cNvPicPr>
-          <p:nvPr/>
-        </p:nvPicPr>
-        <p:blipFill rotWithShape="1">
-          <a:blip r:embed="rId2">
-            <a:extLst>
-              <a:ext uri="{28A0092B-C50C-407E-A947-70E740481C1C}">
-                <a14:useLocalDpi xmlns:a14="http://schemas.microsoft.com/office/drawing/2010/main" val="0"/>
-              </a:ext>
-            </a:extLst>
-          </a:blip>
-          <a:srcRect b="13111"/>
-          <a:stretch/>
-        </p:blipFill>
-        <p:spPr>
-          <a:xfrm>
-            <a:off x="1184717" y="1858820"/>
-            <a:ext cx="5060119" cy="1840768"/>
-          </a:xfrm>
-          <a:prstGeom prst="rect">
-            <a:avLst/>
-          </a:prstGeom>
-          <a:ln>
-            <a:solidFill>
-              <a:schemeClr val="bg1">
-                <a:lumMod val="85000"/>
-              </a:schemeClr>
-            </a:solidFill>
-          </a:ln>
-        </p:spPr>
-      </p:pic>
-      <p:pic>
-        <p:nvPicPr>
-          <p:cNvPr id="7" name="그림 6"/>
-          <p:cNvPicPr>
-            <a:picLocks noChangeAspect="1"/>
-          </p:cNvPicPr>
-          <p:nvPr/>
-        </p:nvPicPr>
-        <p:blipFill>
-          <a:blip r:embed="rId3">
-            <a:extLst>
-              <a:ext uri="{28A0092B-C50C-407E-A947-70E740481C1C}">
-                <a14:useLocalDpi xmlns:a14="http://schemas.microsoft.com/office/drawing/2010/main" val="0"/>
-              </a:ext>
-            </a:extLst>
-          </a:blip>
-          <a:stretch>
-            <a:fillRect/>
-          </a:stretch>
-        </p:blipFill>
-        <p:spPr>
-          <a:xfrm>
-            <a:off x="1493844" y="4221088"/>
-            <a:ext cx="4130398" cy="1158340"/>
-          </a:xfrm>
-          <a:prstGeom prst="rect">
-            <a:avLst/>
-          </a:prstGeom>
-          <a:ln>
-            <a:solidFill>
-              <a:schemeClr val="bg1">
-                <a:lumMod val="85000"/>
-              </a:schemeClr>
-            </a:solidFill>
-          </a:ln>
-        </p:spPr>
-      </p:pic>
-    </p:spTree>
-    <p:extLst>
-      <p:ext uri="{BB962C8B-B14F-4D97-AF65-F5344CB8AC3E}">
-        <p14:creationId xmlns:p14="http://schemas.microsoft.com/office/powerpoint/2010/main" val="2448121210"/>
-      </p:ext>
-    </p:extLst>
-  </p:cSld>
-  <p:clrMapOvr>
-    <a:masterClrMapping/>
-  </p:clrMapOvr>
-  <p:timing>
-    <p:tnLst>
-      <p:par>
-        <p:cTn id="1" dur="indefinite" restart="never" nodeType="tmRoot"/>
-      </p:par>
-    </p:tnLst>
-  </p:timing>
-</p:sld>
-</file>
-
-<file path=ppt/slides/slide38.xml><?xml version="1.0" encoding="utf-8"?>
-<p:sld xmlns:a="http://schemas.openxmlformats.org/drawingml/2006/main" xmlns:r="http://schemas.openxmlformats.org/officeDocument/2006/relationships" xmlns:p="http://schemas.openxmlformats.org/presentationml/2006/main">
-  <p:cSld>
-    <p:spTree>
-      <p:nvGrpSpPr>
-        <p:cNvPr id="1" name=""/>
-        <p:cNvGrpSpPr/>
-        <p:nvPr/>
-      </p:nvGrpSpPr>
-      <p:grpSpPr>
-        <a:xfrm>
-          <a:off x="0" y="0"/>
-          <a:ext cx="0" cy="0"/>
-          <a:chOff x="0" y="0"/>
-          <a:chExt cx="0" cy="0"/>
-        </a:xfrm>
-      </p:grpSpPr>
-      <p:sp>
-        <p:nvSpPr>
-          <p:cNvPr id="15" name="제목 5"/>
-          <p:cNvSpPr txBox="1">
-            <a:spLocks/>
-          </p:cNvSpPr>
-          <p:nvPr/>
-        </p:nvSpPr>
-        <p:spPr>
-          <a:xfrm>
-            <a:off x="0" y="53752"/>
-            <a:ext cx="7995338" cy="854968"/>
-          </a:xfrm>
-          <a:prstGeom prst="rect">
-            <a:avLst/>
-          </a:prstGeom>
-        </p:spPr>
-        <p:txBody>
-          <a:bodyPr anchor="ctr" anchorCtr="0"/>
-          <a:lstStyle>
-            <a:lvl1pPr algn="l" defTabSz="914400" rtl="0" eaLnBrk="1" latinLnBrk="1" hangingPunct="1">
-              <a:spcBef>
-                <a:spcPct val="0"/>
-              </a:spcBef>
-              <a:buNone/>
-              <a:defRPr sz="3200" kern="1200">
-                <a:solidFill>
-                  <a:schemeClr val="bg1"/>
-                </a:solidFill>
-                <a:latin typeface="HY헤드라인M" panose="02030600000101010101" pitchFamily="18" charset="-127"/>
-                <a:ea typeface="HY헤드라인M" panose="02030600000101010101" pitchFamily="18" charset="-127"/>
-                <a:cs typeface="+mj-cs"/>
-              </a:defRPr>
-            </a:lvl1pPr>
-          </a:lstStyle>
-          <a:p>
-            <a:r>
-              <a:rPr lang="en-US" altLang="ko-KR" dirty="0" smtClean="0"/>
-              <a:t> </a:t>
-            </a:r>
-            <a:r>
-              <a:rPr lang="en-US" altLang="ko-KR" b="1" dirty="0">
-                <a:latin typeface="휴먼엑스포" panose="02030504000101010101" pitchFamily="18" charset="-127"/>
-                <a:ea typeface="휴먼엑스포" panose="02030504000101010101" pitchFamily="18" charset="-127"/>
-              </a:rPr>
-              <a:t>JSTL </a:t>
-            </a:r>
-            <a:r>
-              <a:rPr lang="en-US" altLang="ko-KR" b="1" dirty="0" err="1">
-                <a:latin typeface="휴먼엑스포" panose="02030504000101010101" pitchFamily="18" charset="-127"/>
-                <a:ea typeface="휴먼엑스포" panose="02030504000101010101" pitchFamily="18" charset="-127"/>
-              </a:rPr>
-              <a:t>sql</a:t>
-            </a:r>
-            <a:r>
-              <a:rPr lang="en-US" altLang="ko-KR" b="1" dirty="0">
-                <a:latin typeface="휴먼엑스포" panose="02030504000101010101" pitchFamily="18" charset="-127"/>
-                <a:ea typeface="휴먼엑스포" panose="02030504000101010101" pitchFamily="18" charset="-127"/>
-              </a:rPr>
-              <a:t> </a:t>
-            </a:r>
-            <a:r>
-              <a:rPr lang="ko-KR" altLang="en-US" b="1" dirty="0">
-                <a:latin typeface="휴먼엑스포" panose="02030504000101010101" pitchFamily="18" charset="-127"/>
-                <a:ea typeface="휴먼엑스포" panose="02030504000101010101" pitchFamily="18" charset="-127"/>
-              </a:rPr>
-              <a:t>태그</a:t>
-            </a:r>
-            <a:endParaRPr lang="ko-KR" altLang="en-US" dirty="0"/>
-          </a:p>
-        </p:txBody>
-      </p:sp>
-      <p:sp>
-        <p:nvSpPr>
-          <p:cNvPr id="5" name="TextBox 4"/>
-          <p:cNvSpPr txBox="1"/>
-          <p:nvPr/>
-        </p:nvSpPr>
-        <p:spPr>
-          <a:xfrm>
-            <a:off x="776536" y="980728"/>
-            <a:ext cx="8928992" cy="494494"/>
-          </a:xfrm>
-          <a:prstGeom prst="rect">
-            <a:avLst/>
-          </a:prstGeom>
-          <a:noFill/>
-        </p:spPr>
-        <p:txBody>
-          <a:bodyPr wrap="square" rtlCol="0">
-            <a:spAutoFit/>
-          </a:bodyPr>
-          <a:lstStyle/>
-          <a:p>
-            <a:pPr>
-              <a:lnSpc>
-                <a:spcPct val="150000"/>
-              </a:lnSpc>
-            </a:pPr>
-            <a:r>
-              <a:rPr lang="en-US" altLang="ko-KR" sz="2000" b="1" dirty="0" smtClean="0"/>
-              <a:t>&lt;</a:t>
-            </a:r>
-            <a:r>
-              <a:rPr lang="en-US" altLang="ko-KR" sz="2000" b="1" dirty="0" err="1" smtClean="0"/>
-              <a:t>sql:query</a:t>
-            </a:r>
-            <a:r>
-              <a:rPr lang="en-US" altLang="ko-KR" sz="2000" b="1" dirty="0" smtClean="0"/>
-              <a:t>&gt;</a:t>
-            </a:r>
-            <a:r>
-              <a:rPr lang="ko-KR" altLang="en-US" sz="2000" b="1" dirty="0" smtClean="0"/>
-              <a:t>태그로 </a:t>
-            </a:r>
-            <a:r>
-              <a:rPr lang="en-US" altLang="ko-KR" sz="2000" b="1" dirty="0" smtClean="0"/>
-              <a:t>SELECT</a:t>
-            </a:r>
-            <a:r>
-              <a:rPr lang="ko-KR" altLang="en-US" sz="2000" b="1" dirty="0"/>
-              <a:t> </a:t>
-            </a:r>
-            <a:r>
-              <a:rPr lang="ko-KR" altLang="en-US" sz="2000" b="1" dirty="0" err="1" smtClean="0"/>
-              <a:t>쿼리문</a:t>
-            </a:r>
-            <a:r>
-              <a:rPr lang="ko-KR" altLang="en-US" sz="2000" b="1" dirty="0" smtClean="0"/>
-              <a:t> 실행하기</a:t>
-            </a:r>
-            <a:r>
-              <a:rPr lang="en-US" altLang="ko-KR" dirty="0" smtClean="0"/>
-              <a:t>.</a:t>
-            </a:r>
-            <a:endParaRPr lang="en-US" altLang="ko-KR" dirty="0"/>
-          </a:p>
-        </p:txBody>
-      </p:sp>
-      <p:pic>
-        <p:nvPicPr>
-          <p:cNvPr id="2" name="그림 1"/>
-          <p:cNvPicPr>
-            <a:picLocks noChangeAspect="1"/>
-          </p:cNvPicPr>
-          <p:nvPr/>
-        </p:nvPicPr>
-        <p:blipFill>
-          <a:blip r:embed="rId2">
-            <a:extLst>
-              <a:ext uri="{28A0092B-C50C-407E-A947-70E740481C1C}">
-                <a14:useLocalDpi xmlns:a14="http://schemas.microsoft.com/office/drawing/2010/main" val="0"/>
-              </a:ext>
-            </a:extLst>
-          </a:blip>
-          <a:stretch>
-            <a:fillRect/>
-          </a:stretch>
-        </p:blipFill>
-        <p:spPr>
-          <a:xfrm>
-            <a:off x="704528" y="1988840"/>
-            <a:ext cx="8862829" cy="2507197"/>
-          </a:xfrm>
-          <a:prstGeom prst="rect">
-            <a:avLst/>
-          </a:prstGeom>
-          <a:ln>
-            <a:solidFill>
-              <a:schemeClr val="bg1">
-                <a:lumMod val="85000"/>
-              </a:schemeClr>
-            </a:solidFill>
-          </a:ln>
-        </p:spPr>
-      </p:pic>
-      <p:sp>
-        <p:nvSpPr>
-          <p:cNvPr id="6" name="모서리가 둥근 직사각형 5">
-            <a:extLst>
-              <a:ext uri="{FF2B5EF4-FFF2-40B4-BE49-F238E27FC236}">
-                <a16:creationId xmlns:a16="http://schemas.microsoft.com/office/drawing/2014/main" id="{792DA8B4-17B2-454B-97AC-17311A4832C5}"/>
-              </a:ext>
-            </a:extLst>
-          </p:cNvPr>
-          <p:cNvSpPr/>
-          <p:nvPr/>
-        </p:nvSpPr>
-        <p:spPr>
-          <a:xfrm>
-            <a:off x="7113240" y="1609101"/>
-            <a:ext cx="2232248" cy="317650"/>
-          </a:xfrm>
-          <a:prstGeom prst="roundRect">
-            <a:avLst/>
-          </a:prstGeom>
-          <a:noFill/>
-          <a:ln w="12700">
-            <a:solidFill>
-              <a:schemeClr val="tx1"/>
-            </a:solidFill>
-          </a:ln>
-        </p:spPr>
-        <p:style>
-          <a:lnRef idx="2">
-            <a:schemeClr val="accent2"/>
-          </a:lnRef>
-          <a:fillRef idx="1">
-            <a:schemeClr val="lt1"/>
-          </a:fillRef>
-          <a:effectRef idx="0">
-            <a:schemeClr val="accent2"/>
-          </a:effectRef>
-          <a:fontRef idx="minor">
-            <a:schemeClr val="dk1"/>
-          </a:fontRef>
-        </p:style>
-        <p:txBody>
-          <a:bodyPr rtlCol="0" anchor="ctr"/>
-          <a:lstStyle/>
-          <a:p>
-            <a:pPr algn="ctr"/>
-            <a:r>
-              <a:rPr lang="en-US" altLang="ko-KR" sz="1600" dirty="0" err="1">
-                <a:solidFill>
-                  <a:sysClr val="windowText" lastClr="000000"/>
-                </a:solidFill>
-              </a:rPr>
-              <a:t>s</a:t>
-            </a:r>
-            <a:r>
-              <a:rPr lang="en-US" altLang="ko-KR" sz="1600" dirty="0" err="1" smtClean="0">
-                <a:solidFill>
-                  <a:sysClr val="windowText" lastClr="000000"/>
-                </a:solidFill>
-              </a:rPr>
-              <a:t>ql_select.jsp</a:t>
-            </a:r>
-            <a:endParaRPr lang="en-US" altLang="ko-KR" sz="1600" dirty="0" smtClean="0">
-              <a:solidFill>
-                <a:sysClr val="windowText" lastClr="000000"/>
-              </a:solidFill>
-            </a:endParaRPr>
-          </a:p>
-        </p:txBody>
-      </p:sp>
-    </p:spTree>
-    <p:extLst>
-      <p:ext uri="{BB962C8B-B14F-4D97-AF65-F5344CB8AC3E}">
-        <p14:creationId xmlns:p14="http://schemas.microsoft.com/office/powerpoint/2010/main" val="4037099227"/>
-      </p:ext>
-    </p:extLst>
-  </p:cSld>
-  <p:clrMapOvr>
-    <a:masterClrMapping/>
-  </p:clrMapOvr>
-  <p:timing>
-    <p:tnLst>
-      <p:par>
-        <p:cTn id="1" dur="indefinite" restart="never" nodeType="tmRoot"/>
-      </p:par>
-    </p:tnLst>
-  </p:timing>
-</p:sld>
-</file>
-
-<file path=ppt/slides/slide39.xml><?xml version="1.0" encoding="utf-8"?>
-<p:sld xmlns:a="http://schemas.openxmlformats.org/drawingml/2006/main" xmlns:r="http://schemas.openxmlformats.org/officeDocument/2006/relationships" xmlns:p="http://schemas.openxmlformats.org/presentationml/2006/main">
-  <p:cSld>
-    <p:spTree>
-      <p:nvGrpSpPr>
-        <p:cNvPr id="1" name=""/>
-        <p:cNvGrpSpPr/>
-        <p:nvPr/>
-      </p:nvGrpSpPr>
-      <p:grpSpPr>
-        <a:xfrm>
-          <a:off x="0" y="0"/>
-          <a:ext cx="0" cy="0"/>
-          <a:chOff x="0" y="0"/>
-          <a:chExt cx="0" cy="0"/>
-        </a:xfrm>
-      </p:grpSpPr>
-      <p:sp>
-        <p:nvSpPr>
-          <p:cNvPr id="15" name="제목 5"/>
-          <p:cNvSpPr txBox="1">
-            <a:spLocks/>
-          </p:cNvSpPr>
-          <p:nvPr/>
-        </p:nvSpPr>
-        <p:spPr>
-          <a:xfrm>
-            <a:off x="0" y="53752"/>
-            <a:ext cx="7995338" cy="854968"/>
-          </a:xfrm>
-          <a:prstGeom prst="rect">
-            <a:avLst/>
-          </a:prstGeom>
-        </p:spPr>
-        <p:txBody>
-          <a:bodyPr anchor="ctr" anchorCtr="0"/>
-          <a:lstStyle>
-            <a:lvl1pPr algn="l" defTabSz="914400" rtl="0" eaLnBrk="1" latinLnBrk="1" hangingPunct="1">
-              <a:spcBef>
-                <a:spcPct val="0"/>
-              </a:spcBef>
-              <a:buNone/>
-              <a:defRPr sz="3200" kern="1200">
-                <a:solidFill>
-                  <a:schemeClr val="bg1"/>
-                </a:solidFill>
-                <a:latin typeface="HY헤드라인M" panose="02030600000101010101" pitchFamily="18" charset="-127"/>
-                <a:ea typeface="HY헤드라인M" panose="02030600000101010101" pitchFamily="18" charset="-127"/>
-                <a:cs typeface="+mj-cs"/>
-              </a:defRPr>
-            </a:lvl1pPr>
-          </a:lstStyle>
-          <a:p>
-            <a:r>
-              <a:rPr lang="en-US" altLang="ko-KR" dirty="0" smtClean="0"/>
-              <a:t> </a:t>
-            </a:r>
-            <a:r>
-              <a:rPr lang="en-US" altLang="ko-KR" b="1" dirty="0">
-                <a:latin typeface="휴먼엑스포" panose="02030504000101010101" pitchFamily="18" charset="-127"/>
-                <a:ea typeface="휴먼엑스포" panose="02030504000101010101" pitchFamily="18" charset="-127"/>
-              </a:rPr>
-              <a:t>JSTL </a:t>
-            </a:r>
-            <a:r>
-              <a:rPr lang="en-US" altLang="ko-KR" b="1" dirty="0" err="1">
-                <a:latin typeface="휴먼엑스포" panose="02030504000101010101" pitchFamily="18" charset="-127"/>
-                <a:ea typeface="휴먼엑스포" panose="02030504000101010101" pitchFamily="18" charset="-127"/>
-              </a:rPr>
-              <a:t>sql</a:t>
-            </a:r>
-            <a:r>
-              <a:rPr lang="en-US" altLang="ko-KR" b="1" dirty="0">
-                <a:latin typeface="휴먼엑스포" panose="02030504000101010101" pitchFamily="18" charset="-127"/>
-                <a:ea typeface="휴먼엑스포" panose="02030504000101010101" pitchFamily="18" charset="-127"/>
-              </a:rPr>
-              <a:t> </a:t>
-            </a:r>
-            <a:r>
-              <a:rPr lang="ko-KR" altLang="en-US" b="1" dirty="0">
-                <a:latin typeface="휴먼엑스포" panose="02030504000101010101" pitchFamily="18" charset="-127"/>
-                <a:ea typeface="휴먼엑스포" panose="02030504000101010101" pitchFamily="18" charset="-127"/>
-              </a:rPr>
-              <a:t>태그</a:t>
-            </a:r>
-            <a:endParaRPr lang="ko-KR" altLang="en-US" dirty="0"/>
-          </a:p>
-        </p:txBody>
-      </p:sp>
-      <p:sp>
-        <p:nvSpPr>
-          <p:cNvPr id="5" name="TextBox 4"/>
-          <p:cNvSpPr txBox="1"/>
-          <p:nvPr/>
-        </p:nvSpPr>
-        <p:spPr>
-          <a:xfrm>
-            <a:off x="776536" y="980728"/>
-            <a:ext cx="8928992" cy="494494"/>
-          </a:xfrm>
-          <a:prstGeom prst="rect">
-            <a:avLst/>
-          </a:prstGeom>
-          <a:noFill/>
-        </p:spPr>
-        <p:txBody>
-          <a:bodyPr wrap="square" rtlCol="0">
-            <a:spAutoFit/>
-          </a:bodyPr>
-          <a:lstStyle/>
-          <a:p>
-            <a:pPr>
-              <a:lnSpc>
-                <a:spcPct val="150000"/>
-              </a:lnSpc>
-            </a:pPr>
-            <a:r>
-              <a:rPr lang="en-US" altLang="ko-KR" sz="2000" b="1" dirty="0" smtClean="0"/>
-              <a:t>&lt;</a:t>
-            </a:r>
-            <a:r>
-              <a:rPr lang="en-US" altLang="ko-KR" sz="2000" b="1" dirty="0" err="1" smtClean="0"/>
-              <a:t>sql:query</a:t>
-            </a:r>
-            <a:r>
-              <a:rPr lang="en-US" altLang="ko-KR" sz="2000" b="1" dirty="0" smtClean="0"/>
-              <a:t>&gt;</a:t>
-            </a:r>
-            <a:r>
-              <a:rPr lang="ko-KR" altLang="en-US" sz="2000" b="1" dirty="0" smtClean="0"/>
-              <a:t>태그로 </a:t>
-            </a:r>
-            <a:r>
-              <a:rPr lang="en-US" altLang="ko-KR" sz="2000" b="1" dirty="0" smtClean="0"/>
-              <a:t>SELECT</a:t>
-            </a:r>
-            <a:r>
-              <a:rPr lang="ko-KR" altLang="en-US" sz="2000" b="1" dirty="0"/>
-              <a:t> </a:t>
-            </a:r>
-            <a:r>
-              <a:rPr lang="ko-KR" altLang="en-US" sz="2000" b="1" dirty="0" err="1" smtClean="0"/>
-              <a:t>쿼리문</a:t>
-            </a:r>
-            <a:r>
-              <a:rPr lang="ko-KR" altLang="en-US" sz="2000" b="1" dirty="0" smtClean="0"/>
-              <a:t> 실행하기</a:t>
-            </a:r>
-            <a:r>
-              <a:rPr lang="en-US" altLang="ko-KR" dirty="0" smtClean="0"/>
-              <a:t>.</a:t>
-            </a:r>
-            <a:endParaRPr lang="en-US" altLang="ko-KR" dirty="0"/>
-          </a:p>
-        </p:txBody>
-      </p:sp>
-      <p:pic>
-        <p:nvPicPr>
-          <p:cNvPr id="3" name="그림 2"/>
-          <p:cNvPicPr>
-            <a:picLocks noChangeAspect="1"/>
-          </p:cNvPicPr>
-          <p:nvPr/>
-        </p:nvPicPr>
-        <p:blipFill>
-          <a:blip r:embed="rId2">
-            <a:extLst>
-              <a:ext uri="{28A0092B-C50C-407E-A947-70E740481C1C}">
-                <a14:useLocalDpi xmlns:a14="http://schemas.microsoft.com/office/drawing/2010/main" val="0"/>
-              </a:ext>
-            </a:extLst>
-          </a:blip>
-          <a:stretch>
-            <a:fillRect/>
-          </a:stretch>
-        </p:blipFill>
-        <p:spPr>
-          <a:xfrm>
-            <a:off x="1338744" y="1639324"/>
-            <a:ext cx="7171042" cy="4595259"/>
-          </a:xfrm>
-          <a:prstGeom prst="rect">
-            <a:avLst/>
-          </a:prstGeom>
-          <a:ln>
-            <a:solidFill>
-              <a:schemeClr val="bg1">
-                <a:lumMod val="85000"/>
-              </a:schemeClr>
-            </a:solidFill>
-          </a:ln>
-        </p:spPr>
-      </p:pic>
-      <p:sp>
-        <p:nvSpPr>
-          <p:cNvPr id="6" name="모서리가 둥근 직사각형 5">
-            <a:extLst>
-              <a:ext uri="{FF2B5EF4-FFF2-40B4-BE49-F238E27FC236}">
-                <a16:creationId xmlns:a16="http://schemas.microsoft.com/office/drawing/2014/main" id="{792DA8B4-17B2-454B-97AC-17311A4832C5}"/>
-              </a:ext>
-            </a:extLst>
-          </p:cNvPr>
-          <p:cNvSpPr/>
-          <p:nvPr/>
-        </p:nvSpPr>
-        <p:spPr>
-          <a:xfrm>
-            <a:off x="7092010" y="1809893"/>
-            <a:ext cx="2232248" cy="317650"/>
-          </a:xfrm>
-          <a:prstGeom prst="roundRect">
-            <a:avLst/>
-          </a:prstGeom>
-          <a:noFill/>
-          <a:ln w="12700">
-            <a:solidFill>
-              <a:schemeClr val="tx1"/>
-            </a:solidFill>
-          </a:ln>
-        </p:spPr>
-        <p:style>
-          <a:lnRef idx="2">
-            <a:schemeClr val="accent2"/>
-          </a:lnRef>
-          <a:fillRef idx="1">
-            <a:schemeClr val="lt1"/>
-          </a:fillRef>
-          <a:effectRef idx="0">
-            <a:schemeClr val="accent2"/>
-          </a:effectRef>
-          <a:fontRef idx="minor">
-            <a:schemeClr val="dk1"/>
-          </a:fontRef>
-        </p:style>
-        <p:txBody>
-          <a:bodyPr rtlCol="0" anchor="ctr"/>
-          <a:lstStyle/>
-          <a:p>
-            <a:pPr algn="ctr"/>
-            <a:r>
-              <a:rPr lang="en-US" altLang="ko-KR" sz="1600" dirty="0" err="1">
-                <a:solidFill>
-                  <a:sysClr val="windowText" lastClr="000000"/>
-                </a:solidFill>
-              </a:rPr>
-              <a:t>s</a:t>
-            </a:r>
-            <a:r>
-              <a:rPr lang="en-US" altLang="ko-KR" sz="1600" dirty="0" err="1" smtClean="0">
-                <a:solidFill>
-                  <a:sysClr val="windowText" lastClr="000000"/>
-                </a:solidFill>
-              </a:rPr>
-              <a:t>ql_select.jsp</a:t>
-            </a:r>
-            <a:endParaRPr lang="en-US" altLang="ko-KR" sz="1600" dirty="0" smtClean="0">
-              <a:solidFill>
-                <a:sysClr val="windowText" lastClr="000000"/>
-              </a:solidFill>
-            </a:endParaRPr>
-          </a:p>
-        </p:txBody>
-      </p:sp>
-    </p:spTree>
-    <p:extLst>
-      <p:ext uri="{BB962C8B-B14F-4D97-AF65-F5344CB8AC3E}">
-        <p14:creationId xmlns:p14="http://schemas.microsoft.com/office/powerpoint/2010/main" val="2006982310"/>
-      </p:ext>
-    </p:extLst>
-  </p:cSld>
-  <p:clrMapOvr>
-    <a:masterClrMapping/>
-  </p:clrMapOvr>
-  <p:timing>
-    <p:tnLst>
-      <p:par>
-        <p:cTn id="1" dur="indefinite" restart="never" nodeType="tmRoot"/>
-      </p:par>
-    </p:tnLst>
-  </p:timing>
-</p:sld>
-</file>
-
 <file path=ppt/slides/slide4.xml><?xml version="1.0" encoding="utf-8"?>
 <p:sld xmlns:a="http://schemas.openxmlformats.org/drawingml/2006/main" xmlns:r="http://schemas.openxmlformats.org/officeDocument/2006/relationships" xmlns:p="http://schemas.openxmlformats.org/presentationml/2006/main">
   <p:cSld>
@@ -16565,769 +14911,6 @@
     <p:extLst>
       <p:ext uri="{BB962C8B-B14F-4D97-AF65-F5344CB8AC3E}">
         <p14:creationId xmlns:p14="http://schemas.microsoft.com/office/powerpoint/2010/main" val="3732066916"/>
-      </p:ext>
-    </p:extLst>
-  </p:cSld>
-  <p:clrMapOvr>
-    <a:masterClrMapping/>
-  </p:clrMapOvr>
-  <p:timing>
-    <p:tnLst>
-      <p:par>
-        <p:cTn id="1" dur="indefinite" restart="never" nodeType="tmRoot"/>
-      </p:par>
-    </p:tnLst>
-  </p:timing>
-</p:sld>
-</file>
-
-<file path=ppt/slides/slide40.xml><?xml version="1.0" encoding="utf-8"?>
-<p:sld xmlns:a="http://schemas.openxmlformats.org/drawingml/2006/main" xmlns:r="http://schemas.openxmlformats.org/officeDocument/2006/relationships" xmlns:p="http://schemas.openxmlformats.org/presentationml/2006/main">
-  <p:cSld>
-    <p:spTree>
-      <p:nvGrpSpPr>
-        <p:cNvPr id="1" name=""/>
-        <p:cNvGrpSpPr/>
-        <p:nvPr/>
-      </p:nvGrpSpPr>
-      <p:grpSpPr>
-        <a:xfrm>
-          <a:off x="0" y="0"/>
-          <a:ext cx="0" cy="0"/>
-          <a:chOff x="0" y="0"/>
-          <a:chExt cx="0" cy="0"/>
-        </a:xfrm>
-      </p:grpSpPr>
-      <p:sp>
-        <p:nvSpPr>
-          <p:cNvPr id="15" name="제목 5"/>
-          <p:cNvSpPr txBox="1">
-            <a:spLocks/>
-          </p:cNvSpPr>
-          <p:nvPr/>
-        </p:nvSpPr>
-        <p:spPr>
-          <a:xfrm>
-            <a:off x="0" y="53752"/>
-            <a:ext cx="7995338" cy="854968"/>
-          </a:xfrm>
-          <a:prstGeom prst="rect">
-            <a:avLst/>
-          </a:prstGeom>
-        </p:spPr>
-        <p:txBody>
-          <a:bodyPr anchor="ctr" anchorCtr="0"/>
-          <a:lstStyle>
-            <a:lvl1pPr algn="l" defTabSz="914400" rtl="0" eaLnBrk="1" latinLnBrk="1" hangingPunct="1">
-              <a:spcBef>
-                <a:spcPct val="0"/>
-              </a:spcBef>
-              <a:buNone/>
-              <a:defRPr sz="3200" kern="1200">
-                <a:solidFill>
-                  <a:schemeClr val="bg1"/>
-                </a:solidFill>
-                <a:latin typeface="HY헤드라인M" panose="02030600000101010101" pitchFamily="18" charset="-127"/>
-                <a:ea typeface="HY헤드라인M" panose="02030600000101010101" pitchFamily="18" charset="-127"/>
-                <a:cs typeface="+mj-cs"/>
-              </a:defRPr>
-            </a:lvl1pPr>
-          </a:lstStyle>
-          <a:p>
-            <a:r>
-              <a:rPr lang="en-US" altLang="ko-KR" dirty="0" smtClean="0"/>
-              <a:t> </a:t>
-            </a:r>
-            <a:r>
-              <a:rPr lang="en-US" altLang="ko-KR" b="1" dirty="0">
-                <a:latin typeface="휴먼엑스포" panose="02030504000101010101" pitchFamily="18" charset="-127"/>
-                <a:ea typeface="휴먼엑스포" panose="02030504000101010101" pitchFamily="18" charset="-127"/>
-              </a:rPr>
-              <a:t>JSTL </a:t>
-            </a:r>
-            <a:r>
-              <a:rPr lang="en-US" altLang="ko-KR" b="1" dirty="0" err="1">
-                <a:latin typeface="휴먼엑스포" panose="02030504000101010101" pitchFamily="18" charset="-127"/>
-                <a:ea typeface="휴먼엑스포" panose="02030504000101010101" pitchFamily="18" charset="-127"/>
-              </a:rPr>
-              <a:t>sql</a:t>
-            </a:r>
-            <a:r>
-              <a:rPr lang="en-US" altLang="ko-KR" b="1" dirty="0">
-                <a:latin typeface="휴먼엑스포" panose="02030504000101010101" pitchFamily="18" charset="-127"/>
-                <a:ea typeface="휴먼엑스포" panose="02030504000101010101" pitchFamily="18" charset="-127"/>
-              </a:rPr>
-              <a:t> </a:t>
-            </a:r>
-            <a:r>
-              <a:rPr lang="ko-KR" altLang="en-US" b="1" dirty="0">
-                <a:latin typeface="휴먼엑스포" panose="02030504000101010101" pitchFamily="18" charset="-127"/>
-                <a:ea typeface="휴먼엑스포" panose="02030504000101010101" pitchFamily="18" charset="-127"/>
-              </a:rPr>
-              <a:t>태그</a:t>
-            </a:r>
-            <a:endParaRPr lang="ko-KR" altLang="en-US" dirty="0"/>
-          </a:p>
-        </p:txBody>
-      </p:sp>
-      <p:sp>
-        <p:nvSpPr>
-          <p:cNvPr id="5" name="TextBox 4"/>
-          <p:cNvSpPr txBox="1"/>
-          <p:nvPr/>
-        </p:nvSpPr>
-        <p:spPr>
-          <a:xfrm>
-            <a:off x="776536" y="1074802"/>
-            <a:ext cx="8928992" cy="553998"/>
-          </a:xfrm>
-          <a:prstGeom prst="rect">
-            <a:avLst/>
-          </a:prstGeom>
-          <a:noFill/>
-        </p:spPr>
-        <p:txBody>
-          <a:bodyPr wrap="square" rtlCol="0">
-            <a:spAutoFit/>
-          </a:bodyPr>
-          <a:lstStyle/>
-          <a:p>
-            <a:pPr>
-              <a:lnSpc>
-                <a:spcPct val="150000"/>
-              </a:lnSpc>
-            </a:pPr>
-            <a:r>
-              <a:rPr lang="en-US" altLang="ko-KR" sz="2000" b="1" dirty="0" smtClean="0"/>
-              <a:t>&lt;</a:t>
-            </a:r>
-            <a:r>
-              <a:rPr lang="en-US" altLang="ko-KR" sz="2000" b="1" dirty="0" err="1" smtClean="0"/>
-              <a:t>sql:update</a:t>
-            </a:r>
-            <a:r>
-              <a:rPr lang="en-US" altLang="ko-KR" sz="2000" b="1" dirty="0" smtClean="0"/>
-              <a:t>&gt;</a:t>
-            </a:r>
-            <a:r>
-              <a:rPr lang="ko-KR" altLang="en-US" sz="2000" b="1" dirty="0" smtClean="0"/>
-              <a:t>태그로 </a:t>
-            </a:r>
-            <a:r>
-              <a:rPr lang="en-US" altLang="ko-KR" sz="2000" b="1" dirty="0" smtClean="0"/>
-              <a:t>INSERT</a:t>
-            </a:r>
-            <a:r>
-              <a:rPr lang="ko-KR" altLang="en-US" sz="2000" b="1" dirty="0" smtClean="0"/>
-              <a:t> </a:t>
-            </a:r>
-            <a:r>
-              <a:rPr lang="ko-KR" altLang="en-US" sz="2000" b="1" dirty="0" err="1" smtClean="0"/>
-              <a:t>쿼리문</a:t>
-            </a:r>
-            <a:r>
-              <a:rPr lang="ko-KR" altLang="en-US" sz="2000" b="1" dirty="0" smtClean="0"/>
-              <a:t> 실행하기</a:t>
-            </a:r>
-            <a:r>
-              <a:rPr lang="en-US" altLang="ko-KR" dirty="0" smtClean="0"/>
-              <a:t>.</a:t>
-            </a:r>
-            <a:endParaRPr lang="en-US" altLang="ko-KR" dirty="0"/>
-          </a:p>
-        </p:txBody>
-      </p:sp>
-      <p:cxnSp>
-        <p:nvCxnSpPr>
-          <p:cNvPr id="8" name="직선 화살표 연결선 7"/>
-          <p:cNvCxnSpPr/>
-          <p:nvPr/>
-        </p:nvCxnSpPr>
-        <p:spPr>
-          <a:xfrm flipV="1">
-            <a:off x="4264631" y="3236185"/>
-            <a:ext cx="792088" cy="1"/>
-          </a:xfrm>
-          <a:prstGeom prst="straightConnector1">
-            <a:avLst/>
-          </a:prstGeom>
-          <a:ln w="12700">
-            <a:solidFill>
-              <a:srgbClr val="C00000"/>
-            </a:solidFill>
-            <a:headEnd type="none" w="med" len="med"/>
-            <a:tailEnd type="triangle" w="med" len="med"/>
-          </a:ln>
-        </p:spPr>
-        <p:style>
-          <a:lnRef idx="2">
-            <a:schemeClr val="dk1"/>
-          </a:lnRef>
-          <a:fillRef idx="1">
-            <a:schemeClr val="lt1"/>
-          </a:fillRef>
-          <a:effectRef idx="0">
-            <a:schemeClr val="dk1"/>
-          </a:effectRef>
-          <a:fontRef idx="minor">
-            <a:schemeClr val="dk1"/>
-          </a:fontRef>
-        </p:style>
-      </p:cxnSp>
-      <p:pic>
-        <p:nvPicPr>
-          <p:cNvPr id="3" name="그림 2"/>
-          <p:cNvPicPr>
-            <a:picLocks noChangeAspect="1"/>
-          </p:cNvPicPr>
-          <p:nvPr/>
-        </p:nvPicPr>
-        <p:blipFill>
-          <a:blip r:embed="rId2">
-            <a:extLst>
-              <a:ext uri="{28A0092B-C50C-407E-A947-70E740481C1C}">
-                <a14:useLocalDpi xmlns:a14="http://schemas.microsoft.com/office/drawing/2010/main" val="0"/>
-              </a:ext>
-            </a:extLst>
-          </a:blip>
-          <a:stretch>
-            <a:fillRect/>
-          </a:stretch>
-        </p:blipFill>
-        <p:spPr>
-          <a:xfrm>
-            <a:off x="1277093" y="2214525"/>
-            <a:ext cx="2720576" cy="2438611"/>
-          </a:xfrm>
-          <a:prstGeom prst="rect">
-            <a:avLst/>
-          </a:prstGeom>
-          <a:ln>
-            <a:solidFill>
-              <a:schemeClr val="bg1">
-                <a:lumMod val="85000"/>
-              </a:schemeClr>
-            </a:solidFill>
-          </a:ln>
-        </p:spPr>
-      </p:pic>
-      <p:pic>
-        <p:nvPicPr>
-          <p:cNvPr id="7" name="그림 6"/>
-          <p:cNvPicPr>
-            <a:picLocks noChangeAspect="1"/>
-          </p:cNvPicPr>
-          <p:nvPr/>
-        </p:nvPicPr>
-        <p:blipFill>
-          <a:blip r:embed="rId3">
-            <a:extLst>
-              <a:ext uri="{28A0092B-C50C-407E-A947-70E740481C1C}">
-                <a14:useLocalDpi xmlns:a14="http://schemas.microsoft.com/office/drawing/2010/main" val="0"/>
-              </a:ext>
-            </a:extLst>
-          </a:blip>
-          <a:stretch>
-            <a:fillRect/>
-          </a:stretch>
-        </p:blipFill>
-        <p:spPr>
-          <a:xfrm>
-            <a:off x="5313040" y="2695118"/>
-            <a:ext cx="3337849" cy="1082134"/>
-          </a:xfrm>
-          <a:prstGeom prst="rect">
-            <a:avLst/>
-          </a:prstGeom>
-        </p:spPr>
-      </p:pic>
-    </p:spTree>
-    <p:extLst>
-      <p:ext uri="{BB962C8B-B14F-4D97-AF65-F5344CB8AC3E}">
-        <p14:creationId xmlns:p14="http://schemas.microsoft.com/office/powerpoint/2010/main" val="1159232644"/>
-      </p:ext>
-    </p:extLst>
-  </p:cSld>
-  <p:clrMapOvr>
-    <a:masterClrMapping/>
-  </p:clrMapOvr>
-  <p:timing>
-    <p:tnLst>
-      <p:par>
-        <p:cTn id="1" dur="indefinite" restart="never" nodeType="tmRoot"/>
-      </p:par>
-    </p:tnLst>
-  </p:timing>
-</p:sld>
-</file>
-
-<file path=ppt/slides/slide41.xml><?xml version="1.0" encoding="utf-8"?>
-<p:sld xmlns:a="http://schemas.openxmlformats.org/drawingml/2006/main" xmlns:r="http://schemas.openxmlformats.org/officeDocument/2006/relationships" xmlns:p="http://schemas.openxmlformats.org/presentationml/2006/main">
-  <p:cSld>
-    <p:spTree>
-      <p:nvGrpSpPr>
-        <p:cNvPr id="1" name=""/>
-        <p:cNvGrpSpPr/>
-        <p:nvPr/>
-      </p:nvGrpSpPr>
-      <p:grpSpPr>
-        <a:xfrm>
-          <a:off x="0" y="0"/>
-          <a:ext cx="0" cy="0"/>
-          <a:chOff x="0" y="0"/>
-          <a:chExt cx="0" cy="0"/>
-        </a:xfrm>
-      </p:grpSpPr>
-      <p:sp>
-        <p:nvSpPr>
-          <p:cNvPr id="15" name="제목 5"/>
-          <p:cNvSpPr txBox="1">
-            <a:spLocks/>
-          </p:cNvSpPr>
-          <p:nvPr/>
-        </p:nvSpPr>
-        <p:spPr>
-          <a:xfrm>
-            <a:off x="0" y="53752"/>
-            <a:ext cx="7995338" cy="854968"/>
-          </a:xfrm>
-          <a:prstGeom prst="rect">
-            <a:avLst/>
-          </a:prstGeom>
-        </p:spPr>
-        <p:txBody>
-          <a:bodyPr anchor="ctr" anchorCtr="0"/>
-          <a:lstStyle>
-            <a:lvl1pPr algn="l" defTabSz="914400" rtl="0" eaLnBrk="1" latinLnBrk="1" hangingPunct="1">
-              <a:spcBef>
-                <a:spcPct val="0"/>
-              </a:spcBef>
-              <a:buNone/>
-              <a:defRPr sz="3200" kern="1200">
-                <a:solidFill>
-                  <a:schemeClr val="bg1"/>
-                </a:solidFill>
-                <a:latin typeface="HY헤드라인M" panose="02030600000101010101" pitchFamily="18" charset="-127"/>
-                <a:ea typeface="HY헤드라인M" panose="02030600000101010101" pitchFamily="18" charset="-127"/>
-                <a:cs typeface="+mj-cs"/>
-              </a:defRPr>
-            </a:lvl1pPr>
-          </a:lstStyle>
-          <a:p>
-            <a:r>
-              <a:rPr lang="en-US" altLang="ko-KR" dirty="0" smtClean="0"/>
-              <a:t> </a:t>
-            </a:r>
-            <a:r>
-              <a:rPr lang="en-US" altLang="ko-KR" b="1" dirty="0">
-                <a:latin typeface="휴먼엑스포" panose="02030504000101010101" pitchFamily="18" charset="-127"/>
-                <a:ea typeface="휴먼엑스포" panose="02030504000101010101" pitchFamily="18" charset="-127"/>
-              </a:rPr>
-              <a:t>JSTL </a:t>
-            </a:r>
-            <a:r>
-              <a:rPr lang="en-US" altLang="ko-KR" b="1" dirty="0" err="1">
-                <a:latin typeface="휴먼엑스포" panose="02030504000101010101" pitchFamily="18" charset="-127"/>
-                <a:ea typeface="휴먼엑스포" panose="02030504000101010101" pitchFamily="18" charset="-127"/>
-              </a:rPr>
-              <a:t>sql</a:t>
-            </a:r>
-            <a:r>
-              <a:rPr lang="en-US" altLang="ko-KR" b="1" dirty="0">
-                <a:latin typeface="휴먼엑스포" panose="02030504000101010101" pitchFamily="18" charset="-127"/>
-                <a:ea typeface="휴먼엑스포" panose="02030504000101010101" pitchFamily="18" charset="-127"/>
-              </a:rPr>
-              <a:t> </a:t>
-            </a:r>
-            <a:r>
-              <a:rPr lang="ko-KR" altLang="en-US" b="1" dirty="0">
-                <a:latin typeface="휴먼엑스포" panose="02030504000101010101" pitchFamily="18" charset="-127"/>
-                <a:ea typeface="휴먼엑스포" panose="02030504000101010101" pitchFamily="18" charset="-127"/>
-              </a:rPr>
-              <a:t>태그</a:t>
-            </a:r>
-            <a:endParaRPr lang="ko-KR" altLang="en-US" dirty="0"/>
-          </a:p>
-        </p:txBody>
-      </p:sp>
-      <p:sp>
-        <p:nvSpPr>
-          <p:cNvPr id="5" name="TextBox 4"/>
-          <p:cNvSpPr txBox="1"/>
-          <p:nvPr/>
-        </p:nvSpPr>
-        <p:spPr>
-          <a:xfrm>
-            <a:off x="776536" y="980728"/>
-            <a:ext cx="8928992" cy="553998"/>
-          </a:xfrm>
-          <a:prstGeom prst="rect">
-            <a:avLst/>
-          </a:prstGeom>
-          <a:noFill/>
-        </p:spPr>
-        <p:txBody>
-          <a:bodyPr wrap="square" rtlCol="0">
-            <a:spAutoFit/>
-          </a:bodyPr>
-          <a:lstStyle/>
-          <a:p>
-            <a:pPr>
-              <a:lnSpc>
-                <a:spcPct val="150000"/>
-              </a:lnSpc>
-            </a:pPr>
-            <a:r>
-              <a:rPr lang="en-US" altLang="ko-KR" sz="2000" b="1" dirty="0" smtClean="0"/>
-              <a:t>&lt;</a:t>
-            </a:r>
-            <a:r>
-              <a:rPr lang="en-US" altLang="ko-KR" sz="2000" b="1" dirty="0" err="1" smtClean="0"/>
-              <a:t>sql:update</a:t>
-            </a:r>
-            <a:r>
-              <a:rPr lang="en-US" altLang="ko-KR" sz="2000" b="1" dirty="0" smtClean="0"/>
-              <a:t>&gt;</a:t>
-            </a:r>
-            <a:r>
-              <a:rPr lang="ko-KR" altLang="en-US" sz="2000" b="1" dirty="0" smtClean="0"/>
-              <a:t>태그로 </a:t>
-            </a:r>
-            <a:r>
-              <a:rPr lang="en-US" altLang="ko-KR" sz="2000" b="1" dirty="0" smtClean="0"/>
-              <a:t>INSERT</a:t>
-            </a:r>
-            <a:r>
-              <a:rPr lang="ko-KR" altLang="en-US" sz="2000" b="1" dirty="0" smtClean="0"/>
-              <a:t> </a:t>
-            </a:r>
-            <a:r>
-              <a:rPr lang="ko-KR" altLang="en-US" sz="2000" b="1" dirty="0" err="1" smtClean="0"/>
-              <a:t>쿼리문</a:t>
-            </a:r>
-            <a:r>
-              <a:rPr lang="ko-KR" altLang="en-US" sz="2000" b="1" dirty="0" smtClean="0"/>
-              <a:t> 실행하기</a:t>
-            </a:r>
-            <a:r>
-              <a:rPr lang="en-US" altLang="ko-KR" dirty="0" smtClean="0"/>
-              <a:t>.</a:t>
-            </a:r>
-            <a:endParaRPr lang="en-US" altLang="ko-KR" dirty="0"/>
-          </a:p>
-        </p:txBody>
-      </p:sp>
-      <p:pic>
-        <p:nvPicPr>
-          <p:cNvPr id="9" name="그림 8"/>
-          <p:cNvPicPr>
-            <a:picLocks noChangeAspect="1"/>
-          </p:cNvPicPr>
-          <p:nvPr/>
-        </p:nvPicPr>
-        <p:blipFill>
-          <a:blip r:embed="rId2">
-            <a:extLst>
-              <a:ext uri="{28A0092B-C50C-407E-A947-70E740481C1C}">
-                <a14:useLocalDpi xmlns:a14="http://schemas.microsoft.com/office/drawing/2010/main" val="0"/>
-              </a:ext>
-            </a:extLst>
-          </a:blip>
-          <a:stretch>
-            <a:fillRect/>
-          </a:stretch>
-        </p:blipFill>
-        <p:spPr>
-          <a:xfrm>
-            <a:off x="1568624" y="2492896"/>
-            <a:ext cx="6004558" cy="1872208"/>
-          </a:xfrm>
-          <a:prstGeom prst="rect">
-            <a:avLst/>
-          </a:prstGeom>
-          <a:ln>
-            <a:solidFill>
-              <a:schemeClr val="bg1">
-                <a:lumMod val="85000"/>
-              </a:schemeClr>
-            </a:solidFill>
-          </a:ln>
-        </p:spPr>
-      </p:pic>
-      <p:sp>
-        <p:nvSpPr>
-          <p:cNvPr id="10" name="모서리가 둥근 직사각형 9">
-            <a:extLst>
-              <a:ext uri="{FF2B5EF4-FFF2-40B4-BE49-F238E27FC236}">
-                <a16:creationId xmlns:a16="http://schemas.microsoft.com/office/drawing/2014/main" id="{792DA8B4-17B2-454B-97AC-17311A4832C5}"/>
-              </a:ext>
-            </a:extLst>
-          </p:cNvPr>
-          <p:cNvSpPr/>
-          <p:nvPr/>
-        </p:nvSpPr>
-        <p:spPr>
-          <a:xfrm>
-            <a:off x="6105128" y="1977803"/>
-            <a:ext cx="2232248" cy="317650"/>
-          </a:xfrm>
-          <a:prstGeom prst="roundRect">
-            <a:avLst/>
-          </a:prstGeom>
-          <a:noFill/>
-          <a:ln w="12700">
-            <a:solidFill>
-              <a:schemeClr val="tx1"/>
-            </a:solidFill>
-          </a:ln>
-        </p:spPr>
-        <p:style>
-          <a:lnRef idx="2">
-            <a:schemeClr val="accent2"/>
-          </a:lnRef>
-          <a:fillRef idx="1">
-            <a:schemeClr val="lt1"/>
-          </a:fillRef>
-          <a:effectRef idx="0">
-            <a:schemeClr val="accent2"/>
-          </a:effectRef>
-          <a:fontRef idx="minor">
-            <a:schemeClr val="dk1"/>
-          </a:fontRef>
-        </p:style>
-        <p:txBody>
-          <a:bodyPr rtlCol="0" anchor="ctr"/>
-          <a:lstStyle/>
-          <a:p>
-            <a:pPr algn="ctr"/>
-            <a:r>
-              <a:rPr lang="en-US" altLang="ko-KR" sz="1600" dirty="0" err="1" smtClean="0">
-                <a:solidFill>
-                  <a:sysClr val="windowText" lastClr="000000"/>
-                </a:solidFill>
-              </a:rPr>
-              <a:t>sql_insert.jsp</a:t>
-            </a:r>
-            <a:endParaRPr lang="en-US" altLang="ko-KR" sz="1600" dirty="0" smtClean="0">
-              <a:solidFill>
-                <a:sysClr val="windowText" lastClr="000000"/>
-              </a:solidFill>
-            </a:endParaRPr>
-          </a:p>
-        </p:txBody>
-      </p:sp>
-    </p:spTree>
-    <p:extLst>
-      <p:ext uri="{BB962C8B-B14F-4D97-AF65-F5344CB8AC3E}">
-        <p14:creationId xmlns:p14="http://schemas.microsoft.com/office/powerpoint/2010/main" val="2897361390"/>
-      </p:ext>
-    </p:extLst>
-  </p:cSld>
-  <p:clrMapOvr>
-    <a:masterClrMapping/>
-  </p:clrMapOvr>
-  <p:timing>
-    <p:tnLst>
-      <p:par>
-        <p:cTn id="1" dur="indefinite" restart="never" nodeType="tmRoot"/>
-      </p:par>
-    </p:tnLst>
-  </p:timing>
-</p:sld>
-</file>
-
-<file path=ppt/slides/slide42.xml><?xml version="1.0" encoding="utf-8"?>
-<p:sld xmlns:a="http://schemas.openxmlformats.org/drawingml/2006/main" xmlns:r="http://schemas.openxmlformats.org/officeDocument/2006/relationships" xmlns:p="http://schemas.openxmlformats.org/presentationml/2006/main">
-  <p:cSld>
-    <p:spTree>
-      <p:nvGrpSpPr>
-        <p:cNvPr id="1" name=""/>
-        <p:cNvGrpSpPr/>
-        <p:nvPr/>
-      </p:nvGrpSpPr>
-      <p:grpSpPr>
-        <a:xfrm>
-          <a:off x="0" y="0"/>
-          <a:ext cx="0" cy="0"/>
-          <a:chOff x="0" y="0"/>
-          <a:chExt cx="0" cy="0"/>
-        </a:xfrm>
-      </p:grpSpPr>
-      <p:sp>
-        <p:nvSpPr>
-          <p:cNvPr id="15" name="제목 5"/>
-          <p:cNvSpPr txBox="1">
-            <a:spLocks/>
-          </p:cNvSpPr>
-          <p:nvPr/>
-        </p:nvSpPr>
-        <p:spPr>
-          <a:xfrm>
-            <a:off x="0" y="53752"/>
-            <a:ext cx="7995338" cy="854968"/>
-          </a:xfrm>
-          <a:prstGeom prst="rect">
-            <a:avLst/>
-          </a:prstGeom>
-        </p:spPr>
-        <p:txBody>
-          <a:bodyPr anchor="ctr" anchorCtr="0"/>
-          <a:lstStyle>
-            <a:lvl1pPr algn="l" defTabSz="914400" rtl="0" eaLnBrk="1" latinLnBrk="1" hangingPunct="1">
-              <a:spcBef>
-                <a:spcPct val="0"/>
-              </a:spcBef>
-              <a:buNone/>
-              <a:defRPr sz="3200" kern="1200">
-                <a:solidFill>
-                  <a:schemeClr val="bg1"/>
-                </a:solidFill>
-                <a:latin typeface="HY헤드라인M" panose="02030600000101010101" pitchFamily="18" charset="-127"/>
-                <a:ea typeface="HY헤드라인M" panose="02030600000101010101" pitchFamily="18" charset="-127"/>
-                <a:cs typeface="+mj-cs"/>
-              </a:defRPr>
-            </a:lvl1pPr>
-          </a:lstStyle>
-          <a:p>
-            <a:r>
-              <a:rPr lang="en-US" altLang="ko-KR" dirty="0" smtClean="0"/>
-              <a:t> </a:t>
-            </a:r>
-            <a:r>
-              <a:rPr lang="en-US" altLang="ko-KR" b="1" dirty="0">
-                <a:latin typeface="휴먼엑스포" panose="02030504000101010101" pitchFamily="18" charset="-127"/>
-                <a:ea typeface="휴먼엑스포" panose="02030504000101010101" pitchFamily="18" charset="-127"/>
-              </a:rPr>
-              <a:t>JSTL </a:t>
-            </a:r>
-            <a:r>
-              <a:rPr lang="en-US" altLang="ko-KR" b="1" dirty="0" err="1">
-                <a:latin typeface="휴먼엑스포" panose="02030504000101010101" pitchFamily="18" charset="-127"/>
-                <a:ea typeface="휴먼엑스포" panose="02030504000101010101" pitchFamily="18" charset="-127"/>
-              </a:rPr>
-              <a:t>sql</a:t>
-            </a:r>
-            <a:r>
-              <a:rPr lang="en-US" altLang="ko-KR" b="1" dirty="0">
-                <a:latin typeface="휴먼엑스포" panose="02030504000101010101" pitchFamily="18" charset="-127"/>
-                <a:ea typeface="휴먼엑스포" panose="02030504000101010101" pitchFamily="18" charset="-127"/>
-              </a:rPr>
-              <a:t> </a:t>
-            </a:r>
-            <a:r>
-              <a:rPr lang="ko-KR" altLang="en-US" b="1" dirty="0">
-                <a:latin typeface="휴먼엑스포" panose="02030504000101010101" pitchFamily="18" charset="-127"/>
-                <a:ea typeface="휴먼엑스포" panose="02030504000101010101" pitchFamily="18" charset="-127"/>
-              </a:rPr>
-              <a:t>태그</a:t>
-            </a:r>
-            <a:endParaRPr lang="ko-KR" altLang="en-US" dirty="0"/>
-          </a:p>
-        </p:txBody>
-      </p:sp>
-      <p:pic>
-        <p:nvPicPr>
-          <p:cNvPr id="2" name="그림 1"/>
-          <p:cNvPicPr>
-            <a:picLocks noChangeAspect="1"/>
-          </p:cNvPicPr>
-          <p:nvPr/>
-        </p:nvPicPr>
-        <p:blipFill>
-          <a:blip r:embed="rId2">
-            <a:extLst>
-              <a:ext uri="{28A0092B-C50C-407E-A947-70E740481C1C}">
-                <a14:useLocalDpi xmlns:a14="http://schemas.microsoft.com/office/drawing/2010/main" val="0"/>
-              </a:ext>
-            </a:extLst>
-          </a:blip>
-          <a:stretch>
-            <a:fillRect/>
-          </a:stretch>
-        </p:blipFill>
-        <p:spPr>
-          <a:xfrm>
-            <a:off x="704528" y="980728"/>
-            <a:ext cx="8784976" cy="5145487"/>
-          </a:xfrm>
-          <a:prstGeom prst="rect">
-            <a:avLst/>
-          </a:prstGeom>
-          <a:ln>
-            <a:solidFill>
-              <a:schemeClr val="bg1">
-                <a:lumMod val="85000"/>
-              </a:schemeClr>
-            </a:solidFill>
-          </a:ln>
-        </p:spPr>
-      </p:pic>
-      <p:sp>
-        <p:nvSpPr>
-          <p:cNvPr id="6" name="모서리가 둥근 직사각형 5">
-            <a:extLst>
-              <a:ext uri="{FF2B5EF4-FFF2-40B4-BE49-F238E27FC236}">
-                <a16:creationId xmlns:a16="http://schemas.microsoft.com/office/drawing/2014/main" id="{792DA8B4-17B2-454B-97AC-17311A4832C5}"/>
-              </a:ext>
-            </a:extLst>
-          </p:cNvPr>
-          <p:cNvSpPr/>
-          <p:nvPr/>
-        </p:nvSpPr>
-        <p:spPr>
-          <a:xfrm>
-            <a:off x="6879214" y="1809361"/>
-            <a:ext cx="2232248" cy="317650"/>
-          </a:xfrm>
-          <a:prstGeom prst="roundRect">
-            <a:avLst/>
-          </a:prstGeom>
-          <a:noFill/>
-          <a:ln w="12700">
-            <a:solidFill>
-              <a:schemeClr val="tx1"/>
-            </a:solidFill>
-          </a:ln>
-        </p:spPr>
-        <p:style>
-          <a:lnRef idx="2">
-            <a:schemeClr val="accent2"/>
-          </a:lnRef>
-          <a:fillRef idx="1">
-            <a:schemeClr val="lt1"/>
-          </a:fillRef>
-          <a:effectRef idx="0">
-            <a:schemeClr val="accent2"/>
-          </a:effectRef>
-          <a:fontRef idx="minor">
-            <a:schemeClr val="dk1"/>
-          </a:fontRef>
-        </p:style>
-        <p:txBody>
-          <a:bodyPr rtlCol="0" anchor="ctr"/>
-          <a:lstStyle/>
-          <a:p>
-            <a:pPr algn="ctr"/>
-            <a:r>
-              <a:rPr lang="en-US" altLang="ko-KR" sz="1600" dirty="0" err="1" smtClean="0">
-                <a:solidFill>
-                  <a:sysClr val="windowText" lastClr="000000"/>
-                </a:solidFill>
-              </a:rPr>
-              <a:t>insertProcess.jsp</a:t>
-            </a:r>
-            <a:endParaRPr lang="en-US" altLang="ko-KR" sz="1600" dirty="0" smtClean="0">
-              <a:solidFill>
-                <a:sysClr val="windowText" lastClr="000000"/>
-              </a:solidFill>
-            </a:endParaRPr>
-          </a:p>
-        </p:txBody>
-      </p:sp>
-    </p:spTree>
-    <p:extLst>
-      <p:ext uri="{BB962C8B-B14F-4D97-AF65-F5344CB8AC3E}">
-        <p14:creationId xmlns:p14="http://schemas.microsoft.com/office/powerpoint/2010/main" val="2757294949"/>
       </p:ext>
     </p:extLst>
   </p:cSld>
